--- a/docs/part2os/12_Networking/OS_Lecture_12.pptx
+++ b/docs/part2os/12_Networking/OS_Lecture_12.pptx
@@ -5,10 +5,10 @@
     <p:sldMasterId id="2147483648" r:id="rId1"/>
   </p:sldMasterIdLst>
   <p:notesMasterIdLst>
-    <p:notesMasterId r:id="rId33"/>
+    <p:notesMasterId r:id="rId34"/>
   </p:notesMasterIdLst>
   <p:handoutMasterIdLst>
-    <p:handoutMasterId r:id="rId34"/>
+    <p:handoutMasterId r:id="rId35"/>
   </p:handoutMasterIdLst>
   <p:sldIdLst>
     <p:sldId id="256" r:id="rId2"/>
@@ -42,6 +42,7 @@
     <p:sldId id="318" r:id="rId30"/>
     <p:sldId id="319" r:id="rId31"/>
     <p:sldId id="320" r:id="rId32"/>
+    <p:sldId id="322" r:id="rId33"/>
   </p:sldIdLst>
   <p:sldSz cx="12192000" cy="6858000"/>
   <p:notesSz cx="6858000" cy="9144000"/>
@@ -2076,6 +2077,129 @@
     <p:extLst>
       <p:ext uri="{BB962C8B-B14F-4D97-AF65-F5344CB8AC3E}">
         <p14:creationId xmlns:p14="http://schemas.microsoft.com/office/powerpoint/2010/main" val="900329350"/>
+      </p:ext>
+    </p:extLst>
+  </p:cSld>
+  <p:clrMapOvr>
+    <a:masterClrMapping/>
+  </p:clrMapOvr>
+</p:notes>
+</file>
+
+<file path=ppt/notesSlides/notesSlide29.xml><?xml version="1.0" encoding="utf-8"?>
+<p:notes xmlns:a="http://schemas.openxmlformats.org/drawingml/2006/main" xmlns:r="http://schemas.openxmlformats.org/officeDocument/2006/relationships" xmlns:p="http://schemas.openxmlformats.org/presentationml/2006/main">
+  <p:cSld>
+    <p:spTree>
+      <p:nvGrpSpPr>
+        <p:cNvPr id="1" name=""/>
+        <p:cNvGrpSpPr/>
+        <p:nvPr/>
+      </p:nvGrpSpPr>
+      <p:grpSpPr>
+        <a:xfrm>
+          <a:off x="0" y="0"/>
+          <a:ext cx="0" cy="0"/>
+          <a:chOff x="0" y="0"/>
+          <a:chExt cx="0" cy="0"/>
+        </a:xfrm>
+      </p:grpSpPr>
+      <p:sp>
+        <p:nvSpPr>
+          <p:cNvPr id="2" name="Образ слайда 1"/>
+          <p:cNvSpPr>
+            <a:spLocks noGrp="1" noRot="1" noChangeAspect="1"/>
+          </p:cNvSpPr>
+          <p:nvPr>
+            <p:ph type="sldImg"/>
+          </p:nvPr>
+        </p:nvSpPr>
+        <p:spPr/>
+      </p:sp>
+      <p:sp>
+        <p:nvSpPr>
+          <p:cNvPr id="3" name="Заметки 2"/>
+          <p:cNvSpPr>
+            <a:spLocks noGrp="1"/>
+          </p:cNvSpPr>
+          <p:nvPr>
+            <p:ph type="body" idx="1"/>
+          </p:nvPr>
+        </p:nvSpPr>
+        <p:spPr/>
+        <p:txBody>
+          <a:bodyPr/>
+          <a:lstStyle/>
+          <a:p>
+            <a:endParaRPr lang="ru-RU" dirty="0"/>
+          </a:p>
+        </p:txBody>
+      </p:sp>
+      <p:sp>
+        <p:nvSpPr>
+          <p:cNvPr id="4" name="Верхний колонтитул 3"/>
+          <p:cNvSpPr>
+            <a:spLocks noGrp="1"/>
+          </p:cNvSpPr>
+          <p:nvPr>
+            <p:ph type="hdr" sz="quarter" idx="10"/>
+          </p:nvPr>
+        </p:nvSpPr>
+        <p:spPr/>
+        <p:txBody>
+          <a:bodyPr/>
+          <a:lstStyle/>
+          <a:p>
+            <a:endParaRPr lang="ru-RU"/>
+          </a:p>
+        </p:txBody>
+      </p:sp>
+      <p:sp>
+        <p:nvSpPr>
+          <p:cNvPr id="5" name="Нижний колонтитул 4"/>
+          <p:cNvSpPr>
+            <a:spLocks noGrp="1"/>
+          </p:cNvSpPr>
+          <p:nvPr>
+            <p:ph type="ftr" sz="quarter" idx="11"/>
+          </p:nvPr>
+        </p:nvSpPr>
+        <p:spPr/>
+        <p:txBody>
+          <a:bodyPr/>
+          <a:lstStyle/>
+          <a:p>
+            <a:endParaRPr lang="ru-RU"/>
+          </a:p>
+        </p:txBody>
+      </p:sp>
+      <p:sp>
+        <p:nvSpPr>
+          <p:cNvPr id="6" name="Номер слайда 5"/>
+          <p:cNvSpPr>
+            <a:spLocks noGrp="1"/>
+          </p:cNvSpPr>
+          <p:nvPr>
+            <p:ph type="sldNum" sz="quarter" idx="12"/>
+          </p:nvPr>
+        </p:nvSpPr>
+        <p:spPr/>
+        <p:txBody>
+          <a:bodyPr/>
+          <a:lstStyle/>
+          <a:p>
+            <a:fld id="{5583B3A5-99BF-45D9-956B-DC57CC23AD97}" type="slidenum">
+              <a:rPr lang="ru-RU" smtClean="0"/>
+              <a:pPr/>
+              <a:t>32</a:t>
+            </a:fld>
+            <a:endParaRPr lang="ru-RU"/>
+          </a:p>
+        </p:txBody>
+      </p:sp>
+    </p:spTree>
+    <p:extLst>
+      <p:ext uri="{BB962C8B-B14F-4D97-AF65-F5344CB8AC3E}">
+        <p14:creationId xmlns:p14="http://schemas.microsoft.com/office/powerpoint/2010/main" val="2518957284"/>
       </p:ext>
     </p:extLst>
   </p:cSld>
@@ -6466,19 +6590,11 @@
           <a:p>
             <a:r>
               <a:rPr lang="en-US" dirty="0"/>
-              <a:t>Transferring </a:t>
-            </a:r>
-            <a:r>
-              <a:rPr lang="en-US" dirty="0"/>
-              <a:t>I</a:t>
+              <a:t>Transferring I</a:t>
             </a:r>
             <a:r>
               <a:rPr lang="en-US" dirty="0" smtClean="0"/>
-              <a:t>nternet </a:t>
-            </a:r>
-            <a:r>
-              <a:rPr lang="en-US" dirty="0" smtClean="0"/>
-              <a:t>Data Via Encapsulation</a:t>
+              <a:t>nternet Data Via Encapsulation</a:t>
             </a:r>
             <a:endParaRPr lang="en-US" dirty="0"/>
           </a:p>
@@ -9765,7 +9881,7 @@
             </a:r>
             <a:r>
               <a:rPr lang="en-US" dirty="0" smtClean="0"/>
-              <a:t>Internet (upper case)</a:t>
+              <a:t>Internet</a:t>
             </a:r>
             <a:endParaRPr lang="en-US" dirty="0"/>
           </a:p>
@@ -9789,7 +9905,7 @@
         </p:spPr>
         <p:txBody>
           <a:bodyPr>
-            <a:normAutofit fontScale="85000" lnSpcReduction="20000"/>
+            <a:normAutofit fontScale="92500" lnSpcReduction="10000"/>
           </a:bodyPr>
           <a:lstStyle/>
           <a:p>
@@ -9800,11 +9916,11 @@
             </a:pPr>
             <a:r>
               <a:rPr lang="en-US" dirty="0"/>
-              <a:t>Most famous example of an </a:t>
+              <a:t>Most famous example of an I</a:t>
             </a:r>
             <a:r>
               <a:rPr lang="en-US" dirty="0" smtClean="0"/>
-              <a:t>internet</a:t>
+              <a:t>nternet</a:t>
             </a:r>
             <a:endParaRPr lang="en-US" dirty="0"/>
           </a:p>
@@ -9814,14 +9930,6 @@
                 <a:spcPct val="85000"/>
               </a:lnSpc>
             </a:pPr>
-            <a:endParaRPr lang="en-US" dirty="0" smtClean="0"/>
-          </a:p>
-          <a:p>
-            <a:pPr>
-              <a:lnSpc>
-                <a:spcPct val="85000"/>
-              </a:lnSpc>
-            </a:pPr>
             <a:r>
               <a:rPr lang="en-US" dirty="0" smtClean="0"/>
               <a:t>Based </a:t>
@@ -10061,14 +10169,6 @@
                 <a:srgbClr val="F7B217"/>
               </a:solidFill>
             </a:endParaRPr>
-          </a:p>
-          <a:p>
-            <a:pPr>
-              <a:lnSpc>
-                <a:spcPct val="85000"/>
-              </a:lnSpc>
-            </a:pPr>
-            <a:endParaRPr lang="en-US" dirty="0" smtClean="0"/>
           </a:p>
           <a:p>
             <a:pPr>
@@ -10248,11 +10348,11 @@
           <a:lstStyle/>
           <a:p>
             <a:r>
-              <a:rPr lang="en-US" sz="4000" dirty="0" smtClean="0"/>
+              <a:rPr lang="en-US" dirty="0" smtClean="0"/>
               <a:t>Organization of </a:t>
             </a:r>
             <a:r>
-              <a:rPr lang="en-US" sz="4000" dirty="0"/>
+              <a:rPr lang="en-US" dirty="0"/>
               <a:t>an Internet Application</a:t>
             </a:r>
           </a:p>
@@ -11634,16 +11734,16 @@
         </p:spPr>
         <p:txBody>
           <a:bodyPr>
-            <a:normAutofit fontScale="90000"/>
+            <a:normAutofit/>
           </a:bodyPr>
           <a:lstStyle/>
           <a:p>
             <a:r>
-              <a:rPr lang="en-US" dirty="0" smtClean="0"/>
+              <a:rPr lang="en-US" sz="4400" dirty="0" smtClean="0"/>
               <a:t>IP </a:t>
             </a:r>
             <a:r>
-              <a:rPr lang="en-US" dirty="0"/>
+              <a:rPr lang="en-US" sz="4400" dirty="0"/>
               <a:t>Addresses</a:t>
             </a:r>
           </a:p>
@@ -11949,8 +12049,8 @@
         </p:nvSpPr>
         <p:spPr>
           <a:xfrm>
-            <a:off x="1911652" y="1220788"/>
-            <a:ext cx="8527749" cy="5180012"/>
+            <a:off x="835152" y="1220788"/>
+            <a:ext cx="10503408" cy="5180012"/>
           </a:xfrm>
         </p:spPr>
         <p:txBody>
@@ -11965,27 +12065,27 @@
           <a:p>
             <a:pPr lvl="2"/>
             <a:r>
-              <a:rPr lang="en-US" dirty="0"/>
+              <a:rPr lang="en-US" sz="3200" dirty="0"/>
               <a:t>IP </a:t>
             </a:r>
             <a:r>
-              <a:rPr lang="en-US" dirty="0" smtClean="0"/>
+              <a:rPr lang="en-US" sz="3200" dirty="0" smtClean="0"/>
               <a:t>address:</a:t>
             </a:r>
             <a:r>
-              <a:rPr lang="en-US" dirty="0" smtClean="0">
+              <a:rPr lang="en-US" sz="3200" dirty="0" smtClean="0">
                 <a:latin typeface="Courier New" pitchFamily="49" charset="0"/>
               </a:rPr>
               <a:t> </a:t>
             </a:r>
             <a:r>
-              <a:rPr lang="en-US" b="1" dirty="0">
+              <a:rPr lang="en-US" sz="3200" b="1" dirty="0">
                 <a:latin typeface="Courier New" pitchFamily="49" charset="0"/>
               </a:rPr>
               <a:t>0x</a:t>
             </a:r>
             <a:r>
-              <a:rPr lang="en-US" b="1" dirty="0">
+              <a:rPr lang="en-US" sz="3200" b="1" dirty="0">
                 <a:solidFill>
                   <a:srgbClr val="C00000"/>
                 </a:solidFill>
@@ -11994,7 +12094,7 @@
               <a:t>80</a:t>
             </a:r>
             <a:r>
-              <a:rPr lang="en-US" b="1" dirty="0">
+              <a:rPr lang="en-US" sz="3200" b="1" dirty="0">
                 <a:solidFill>
                   <a:srgbClr val="008000"/>
                 </a:solidFill>
@@ -12003,7 +12103,7 @@
               <a:t>02</a:t>
             </a:r>
             <a:r>
-              <a:rPr lang="en-US" b="1" dirty="0">
+              <a:rPr lang="en-US" sz="3200" b="1" dirty="0">
                 <a:solidFill>
                   <a:srgbClr val="D09E00"/>
                 </a:solidFill>
@@ -12012,7 +12112,7 @@
               <a:t>C2</a:t>
             </a:r>
             <a:r>
-              <a:rPr lang="en-US" b="1" dirty="0">
+              <a:rPr lang="en-US" sz="3200" b="1" dirty="0">
                 <a:solidFill>
                   <a:schemeClr val="accent6"/>
                 </a:solidFill>
@@ -12021,13 +12121,13 @@
               <a:t>F2</a:t>
             </a:r>
             <a:r>
-              <a:rPr lang="en-US" b="1" dirty="0">
+              <a:rPr lang="en-US" sz="3200" b="1" dirty="0">
                 <a:latin typeface="Courier New" pitchFamily="49" charset="0"/>
               </a:rPr>
               <a:t> = </a:t>
             </a:r>
             <a:r>
-              <a:rPr lang="en-US" b="1" dirty="0" smtClean="0">
+              <a:rPr lang="en-US" sz="3200" b="1" dirty="0" smtClean="0">
                 <a:solidFill>
                   <a:srgbClr val="C00000"/>
                 </a:solidFill>
@@ -12036,13 +12136,13 @@
               <a:t>128</a:t>
             </a:r>
             <a:r>
-              <a:rPr lang="en-US" b="1" dirty="0" smtClean="0">
+              <a:rPr lang="en-US" sz="3200" b="1" dirty="0" smtClean="0">
                 <a:latin typeface="Courier New" pitchFamily="49" charset="0"/>
               </a:rPr>
               <a:t>.</a:t>
             </a:r>
             <a:r>
-              <a:rPr lang="en-US" b="1" dirty="0" smtClean="0">
+              <a:rPr lang="en-US" sz="3200" b="1" dirty="0" smtClean="0">
                 <a:solidFill>
                   <a:srgbClr val="008000"/>
                 </a:solidFill>
@@ -12051,13 +12151,13 @@
               <a:t>2</a:t>
             </a:r>
             <a:r>
-              <a:rPr lang="en-US" b="1" dirty="0" smtClean="0">
+              <a:rPr lang="en-US" sz="3200" b="1" dirty="0" smtClean="0">
                 <a:latin typeface="Courier New" pitchFamily="49" charset="0"/>
               </a:rPr>
               <a:t>.</a:t>
             </a:r>
             <a:r>
-              <a:rPr lang="en-US" b="1" dirty="0" smtClean="0">
+              <a:rPr lang="en-US" sz="3200" b="1" dirty="0" smtClean="0">
                 <a:solidFill>
                   <a:srgbClr val="D09E00"/>
                 </a:solidFill>
@@ -12066,13 +12166,13 @@
               <a:t>194</a:t>
             </a:r>
             <a:r>
-              <a:rPr lang="en-US" b="1" dirty="0" smtClean="0">
+              <a:rPr lang="en-US" sz="3200" b="1" dirty="0" smtClean="0">
                 <a:latin typeface="Courier New" pitchFamily="49" charset="0"/>
               </a:rPr>
               <a:t>.</a:t>
             </a:r>
             <a:r>
-              <a:rPr lang="en-US" b="1" dirty="0" smtClean="0">
+              <a:rPr lang="en-US" sz="3200" b="1" dirty="0" smtClean="0">
                 <a:solidFill>
                   <a:srgbClr val="2D2DB9"/>
                 </a:solidFill>
@@ -12080,7 +12180,7 @@
               </a:rPr>
               <a:t>242</a:t>
             </a:r>
-            <a:endParaRPr lang="en-US" b="1" dirty="0">
+            <a:endParaRPr lang="en-US" sz="3200" b="1" dirty="0">
               <a:solidFill>
                 <a:srgbClr val="D09E00"/>
               </a:solidFill>
@@ -14493,8 +14593,8 @@
         </p:nvSpPr>
         <p:spPr bwMode="auto">
           <a:xfrm>
-            <a:off x="7516813" y="2057400"/>
-            <a:ext cx="2584554" cy="369332"/>
+            <a:off x="7516812" y="2119622"/>
+            <a:ext cx="2953067" cy="369332"/>
           </a:xfrm>
           <a:prstGeom prst="rect">
             <a:avLst/>
@@ -14509,16 +14609,16 @@
           <a:effectLst/>
         </p:spPr>
         <p:txBody>
-          <a:bodyPr wrap="none" anchor="ctr">
+          <a:bodyPr wrap="square" anchor="ctr">
             <a:spAutoFit/>
           </a:bodyPr>
           <a:lstStyle/>
           <a:p>
             <a:pPr algn="ctr"/>
             <a:r>
-              <a:rPr lang="en-US" i="1" dirty="0">
+              <a:rPr lang="en-US" b="1" i="1" dirty="0">
                 <a:solidFill>
-                  <a:srgbClr val="C00000"/>
+                  <a:srgbClr val="1E3272"/>
                 </a:solidFill>
                 <a:latin typeface="Calibri" pitchFamily="34" charset="0"/>
               </a:rPr>
@@ -14560,9 +14660,9 @@
           <a:p>
             <a:pPr algn="ctr"/>
             <a:r>
-              <a:rPr lang="en-US" i="1" dirty="0">
+              <a:rPr lang="en-US" b="1" i="1" dirty="0">
                 <a:solidFill>
-                  <a:srgbClr val="C00000"/>
+                  <a:srgbClr val="1E3272"/>
                 </a:solidFill>
                 <a:latin typeface="Calibri" pitchFamily="34" charset="0"/>
               </a:rPr>
@@ -14581,8 +14681,8 @@
         </p:nvSpPr>
         <p:spPr bwMode="auto">
           <a:xfrm>
-            <a:off x="7516814" y="3889375"/>
-            <a:ext cx="2667397" cy="369332"/>
+            <a:off x="7516814" y="3884891"/>
+            <a:ext cx="2868691" cy="369332"/>
           </a:xfrm>
           <a:prstGeom prst="rect">
             <a:avLst/>
@@ -14597,16 +14697,16 @@
           <a:effectLst/>
         </p:spPr>
         <p:txBody>
-          <a:bodyPr wrap="none" anchor="ctr">
+          <a:bodyPr wrap="square" anchor="ctr">
             <a:spAutoFit/>
           </a:bodyPr>
           <a:lstStyle/>
           <a:p>
             <a:pPr algn="ctr"/>
             <a:r>
-              <a:rPr lang="en-US" i="1" dirty="0">
+              <a:rPr lang="en-US" b="1" i="1" dirty="0">
                 <a:solidFill>
-                  <a:srgbClr val="C00000"/>
+                  <a:srgbClr val="1E3272"/>
                 </a:solidFill>
                 <a:latin typeface="Calibri" pitchFamily="34" charset="0"/>
               </a:rPr>
@@ -14869,7 +14969,7 @@
         </p:spPr>
         <p:txBody>
           <a:bodyPr>
-            <a:normAutofit fontScale="90000"/>
+            <a:noAutofit/>
           </a:bodyPr>
           <a:lstStyle/>
           <a:p>
@@ -15312,7 +15412,7 @@
         <p:spPr>
           <a:xfrm>
             <a:off x="813816" y="137161"/>
-            <a:ext cx="10533888" cy="893128"/>
+            <a:ext cx="10533888" cy="859535"/>
           </a:xfrm>
         </p:spPr>
         <p:txBody>
@@ -15327,15 +15427,7 @@
             </a:r>
             <a:r>
               <a:rPr lang="en-US" dirty="0" smtClean="0"/>
-              <a:t>Mappings (</a:t>
-            </a:r>
-            <a:r>
-              <a:rPr lang="en-US" dirty="0" err="1" smtClean="0"/>
-              <a:t>cont</a:t>
-            </a:r>
-            <a:r>
-              <a:rPr lang="en-US" dirty="0" smtClean="0"/>
-              <a:t>)</a:t>
+              <a:t>Mappings</a:t>
             </a:r>
             <a:endParaRPr lang="en-US" dirty="0"/>
           </a:p>
@@ -15353,8 +15445,8 @@
         </p:nvSpPr>
         <p:spPr>
           <a:xfrm>
-            <a:off x="1833048" y="1220788"/>
-            <a:ext cx="8701087" cy="5408612"/>
+            <a:off x="813816" y="1220788"/>
+            <a:ext cx="10533888" cy="5408612"/>
           </a:xfrm>
         </p:spPr>
         <p:txBody>
@@ -15781,15 +15873,7 @@
             </a:r>
             <a:r>
               <a:rPr lang="en-US" dirty="0" smtClean="0"/>
-              <a:t>Mappings (</a:t>
-            </a:r>
-            <a:r>
-              <a:rPr lang="en-US" dirty="0" err="1" smtClean="0"/>
-              <a:t>cont</a:t>
-            </a:r>
-            <a:r>
-              <a:rPr lang="en-US" dirty="0" smtClean="0"/>
-              <a:t>)</a:t>
+              <a:t>Mappings</a:t>
             </a:r>
             <a:endParaRPr lang="en-US" dirty="0"/>
           </a:p>
@@ -19118,18 +19202,18 @@
         </p:nvSpPr>
         <p:spPr>
           <a:xfrm>
-            <a:off x="1905000" y="458704"/>
-            <a:ext cx="6477000" cy="573087"/>
+            <a:off x="844296" y="129520"/>
+            <a:ext cx="10521696" cy="812312"/>
           </a:xfrm>
         </p:spPr>
         <p:txBody>
           <a:bodyPr vert="horz" lIns="91294" tIns="45647" rIns="91294" bIns="45647" rtlCol="0" anchor="t">
-            <a:normAutofit fontScale="90000"/>
+            <a:normAutofit/>
           </a:bodyPr>
           <a:lstStyle/>
           <a:p>
             <a:r>
-              <a:rPr lang="en-US"/>
+              <a:rPr lang="en-US" sz="4400" dirty="0"/>
               <a:t>Basic Internet Components</a:t>
             </a:r>
           </a:p>
@@ -19147,13 +19231,13 @@
         </p:nvSpPr>
         <p:spPr>
           <a:xfrm>
-            <a:off x="1936450" y="1295400"/>
-            <a:ext cx="8502951" cy="4953000"/>
+            <a:off x="844296" y="1295400"/>
+            <a:ext cx="10521696" cy="4953000"/>
           </a:xfrm>
         </p:spPr>
         <p:txBody>
           <a:bodyPr vert="horz" lIns="91294" tIns="45647" rIns="91294" bIns="45647" rtlCol="0">
-            <a:normAutofit fontScale="77500" lnSpcReduction="20000"/>
+            <a:normAutofit fontScale="85000" lnSpcReduction="20000"/>
           </a:bodyPr>
           <a:lstStyle/>
           <a:p>
@@ -21517,13 +21601,13 @@
         </p:nvSpPr>
         <p:spPr>
           <a:xfrm>
-            <a:off x="1905000" y="334964"/>
-            <a:ext cx="7543800" cy="573087"/>
+            <a:off x="832104" y="139700"/>
+            <a:ext cx="10515600" cy="835026"/>
           </a:xfrm>
         </p:spPr>
         <p:txBody>
           <a:bodyPr vert="horz" lIns="91294" tIns="45647" rIns="91294" bIns="45647" rtlCol="0" anchor="t">
-            <a:normAutofit fontScale="90000"/>
+            <a:normAutofit/>
           </a:bodyPr>
           <a:lstStyle/>
           <a:p>
@@ -26047,6 +26131,531 @@
 </p:sld>
 </file>
 
+<file path=ppt/slides/slide32.xml><?xml version="1.0" encoding="utf-8"?>
+<p:sld xmlns:a="http://schemas.openxmlformats.org/drawingml/2006/main" xmlns:r="http://schemas.openxmlformats.org/officeDocument/2006/relationships" xmlns:p="http://schemas.openxmlformats.org/presentationml/2006/main">
+  <p:cSld>
+    <p:spTree>
+      <p:nvGrpSpPr>
+        <p:cNvPr id="1" name=""/>
+        <p:cNvGrpSpPr/>
+        <p:nvPr/>
+      </p:nvGrpSpPr>
+      <p:grpSpPr>
+        <a:xfrm>
+          <a:off x="0" y="0"/>
+          <a:ext cx="0" cy="0"/>
+          <a:chOff x="0" y="0"/>
+          <a:chExt cx="0" cy="0"/>
+        </a:xfrm>
+      </p:grpSpPr>
+      <p:sp>
+        <p:nvSpPr>
+          <p:cNvPr id="4" name="Прямоугольник 3"/>
+          <p:cNvSpPr/>
+          <p:nvPr/>
+        </p:nvSpPr>
+        <p:spPr>
+          <a:xfrm>
+            <a:off x="2664999" y="472120"/>
+            <a:ext cx="7524751" cy="5262979"/>
+          </a:xfrm>
+          <a:prstGeom prst="rect">
+            <a:avLst/>
+          </a:prstGeom>
+          <a:noFill/>
+          <a:ln>
+            <a:noFill/>
+          </a:ln>
+          <a:scene3d>
+            <a:camera prst="perspectiveRelaxed"/>
+            <a:lightRig rig="threePt" dir="t"/>
+          </a:scene3d>
+        </p:spPr>
+        <p:txBody>
+          <a:bodyPr wrap="square" lIns="91440" tIns="45720" rIns="91440" bIns="45720">
+            <a:spAutoFit/>
+          </a:bodyPr>
+          <a:lstStyle/>
+          <a:p>
+            <a:r>
+              <a:rPr lang="en-US" sz="2400" dirty="0" smtClean="0">
+                <a:ln w="0"/>
+                <a:solidFill>
+                  <a:srgbClr val="273272"/>
+                </a:solidFill>
+                <a:effectLst>
+                  <a:reflection blurRad="6350" stA="53000" endA="300" endPos="35500" dir="5400000" sy="-90000" algn="bl" rotWithShape="0"/>
+                </a:effectLst>
+                <a:latin typeface="Courier New" pitchFamily="49" charset="0"/>
+                <a:cs typeface="Courier New" pitchFamily="49" charset="0"/>
+              </a:rPr>
+              <a:t>		</a:t>
+            </a:r>
+          </a:p>
+          <a:p>
+            <a:r>
+              <a:rPr lang="en-US" sz="2400" dirty="0" smtClean="0">
+                <a:ln w="0"/>
+                <a:solidFill>
+                  <a:srgbClr val="273272"/>
+                </a:solidFill>
+                <a:effectLst>
+                  <a:reflection blurRad="6350" stA="53000" endA="300" endPos="35500" dir="5400000" sy="-90000" algn="bl" rotWithShape="0"/>
+                </a:effectLst>
+                <a:latin typeface="Courier New" pitchFamily="49" charset="0"/>
+                <a:cs typeface="Courier New" pitchFamily="49" charset="0"/>
+              </a:rPr>
+              <a:t>		.text</a:t>
+            </a:r>
+          </a:p>
+          <a:p>
+            <a:r>
+              <a:rPr lang="en-US" sz="2400" dirty="0" smtClean="0">
+                <a:ln w="0"/>
+                <a:solidFill>
+                  <a:srgbClr val="273272"/>
+                </a:solidFill>
+                <a:effectLst>
+                  <a:reflection blurRad="6350" stA="53000" endA="300" endPos="35500" dir="5400000" sy="-90000" algn="bl" rotWithShape="0"/>
+                </a:effectLst>
+                <a:latin typeface="Courier New" pitchFamily="49" charset="0"/>
+                <a:cs typeface="Courier New" pitchFamily="49" charset="0"/>
+              </a:rPr>
+              <a:t>__start:	addi t1, zero, 0x18</a:t>
+            </a:r>
+          </a:p>
+          <a:p>
+            <a:r>
+              <a:rPr lang="en-US" sz="2400" dirty="0" smtClean="0">
+                <a:ln w="0"/>
+                <a:solidFill>
+                  <a:srgbClr val="273272"/>
+                </a:solidFill>
+                <a:effectLst>
+                  <a:reflection blurRad="6350" stA="53000" endA="300" endPos="35500" dir="5400000" sy="-90000" algn="bl" rotWithShape="0"/>
+                </a:effectLst>
+                <a:latin typeface="Courier New" pitchFamily="49" charset="0"/>
+                <a:cs typeface="Courier New" pitchFamily="49" charset="0"/>
+              </a:rPr>
+              <a:t>		addi t2, zero, 0x21</a:t>
+            </a:r>
+          </a:p>
+          <a:p>
+            <a:r>
+              <a:rPr lang="en-US" sz="2400" dirty="0" smtClean="0">
+                <a:ln w="0"/>
+                <a:solidFill>
+                  <a:srgbClr val="273272"/>
+                </a:solidFill>
+                <a:effectLst>
+                  <a:reflection blurRad="6350" stA="53000" endA="300" endPos="35500" dir="5400000" sy="-90000" algn="bl" rotWithShape="0"/>
+                </a:effectLst>
+                <a:latin typeface="Courier New" pitchFamily="49" charset="0"/>
+                <a:cs typeface="Courier New" pitchFamily="49" charset="0"/>
+              </a:rPr>
+              <a:t>cycle:	</a:t>
+            </a:r>
+            <a:r>
+              <a:rPr lang="en-US" sz="2400" dirty="0" err="1" smtClean="0">
+                <a:ln w="0"/>
+                <a:solidFill>
+                  <a:srgbClr val="273272"/>
+                </a:solidFill>
+                <a:effectLst>
+                  <a:reflection blurRad="6350" stA="53000" endA="300" endPos="35500" dir="5400000" sy="-90000" algn="bl" rotWithShape="0"/>
+                </a:effectLst>
+                <a:latin typeface="Courier New" pitchFamily="49" charset="0"/>
+                <a:cs typeface="Courier New" pitchFamily="49" charset="0"/>
+              </a:rPr>
+              <a:t>beq</a:t>
+            </a:r>
+            <a:r>
+              <a:rPr lang="en-US" sz="2400" dirty="0" smtClean="0">
+                <a:ln w="0"/>
+                <a:solidFill>
+                  <a:srgbClr val="273272"/>
+                </a:solidFill>
+                <a:effectLst>
+                  <a:reflection blurRad="6350" stA="53000" endA="300" endPos="35500" dir="5400000" sy="-90000" algn="bl" rotWithShape="0"/>
+                </a:effectLst>
+                <a:latin typeface="Courier New" pitchFamily="49" charset="0"/>
+                <a:cs typeface="Courier New" pitchFamily="49" charset="0"/>
+              </a:rPr>
+              <a:t> t1, t2, done</a:t>
+            </a:r>
+          </a:p>
+          <a:p>
+            <a:r>
+              <a:rPr lang="en-US" sz="2400" dirty="0" smtClean="0">
+                <a:ln w="0"/>
+                <a:solidFill>
+                  <a:srgbClr val="273272"/>
+                </a:solidFill>
+                <a:effectLst>
+                  <a:reflection blurRad="6350" stA="53000" endA="300" endPos="35500" dir="5400000" sy="-90000" algn="bl" rotWithShape="0"/>
+                </a:effectLst>
+                <a:latin typeface="Courier New" pitchFamily="49" charset="0"/>
+                <a:cs typeface="Courier New" pitchFamily="49" charset="0"/>
+              </a:rPr>
+              <a:t>		</a:t>
+            </a:r>
+            <a:r>
+              <a:rPr lang="en-US" sz="2400" dirty="0" err="1" smtClean="0">
+                <a:ln w="0"/>
+                <a:solidFill>
+                  <a:srgbClr val="273272"/>
+                </a:solidFill>
+                <a:effectLst>
+                  <a:reflection blurRad="6350" stA="53000" endA="300" endPos="35500" dir="5400000" sy="-90000" algn="bl" rotWithShape="0"/>
+                </a:effectLst>
+                <a:latin typeface="Courier New" pitchFamily="49" charset="0"/>
+                <a:cs typeface="Courier New" pitchFamily="49" charset="0"/>
+              </a:rPr>
+              <a:t>slt</a:t>
+            </a:r>
+            <a:r>
+              <a:rPr lang="en-US" sz="2400" dirty="0" smtClean="0">
+                <a:ln w="0"/>
+                <a:solidFill>
+                  <a:srgbClr val="273272"/>
+                </a:solidFill>
+                <a:effectLst>
+                  <a:reflection blurRad="6350" stA="53000" endA="300" endPos="35500" dir="5400000" sy="-90000" algn="bl" rotWithShape="0"/>
+                </a:effectLst>
+                <a:latin typeface="Courier New" pitchFamily="49" charset="0"/>
+                <a:cs typeface="Courier New" pitchFamily="49" charset="0"/>
+              </a:rPr>
+              <a:t> t0, t1, t2</a:t>
+            </a:r>
+          </a:p>
+          <a:p>
+            <a:r>
+              <a:rPr lang="en-US" sz="2400" dirty="0" smtClean="0">
+                <a:ln w="0"/>
+                <a:solidFill>
+                  <a:srgbClr val="273272"/>
+                </a:solidFill>
+                <a:effectLst>
+                  <a:reflection blurRad="6350" stA="53000" endA="300" endPos="35500" dir="5400000" sy="-90000" algn="bl" rotWithShape="0"/>
+                </a:effectLst>
+                <a:latin typeface="Courier New" pitchFamily="49" charset="0"/>
+                <a:cs typeface="Courier New" pitchFamily="49" charset="0"/>
+              </a:rPr>
+              <a:t>		</a:t>
+            </a:r>
+            <a:r>
+              <a:rPr lang="en-US" sz="2400" dirty="0" err="1" smtClean="0">
+                <a:ln w="0"/>
+                <a:solidFill>
+                  <a:srgbClr val="273272"/>
+                </a:solidFill>
+                <a:effectLst>
+                  <a:reflection blurRad="6350" stA="53000" endA="300" endPos="35500" dir="5400000" sy="-90000" algn="bl" rotWithShape="0"/>
+                </a:effectLst>
+                <a:latin typeface="Courier New" pitchFamily="49" charset="0"/>
+                <a:cs typeface="Courier New" pitchFamily="49" charset="0"/>
+              </a:rPr>
+              <a:t>bne</a:t>
+            </a:r>
+            <a:r>
+              <a:rPr lang="en-US" sz="2400" dirty="0" smtClean="0">
+                <a:ln w="0"/>
+                <a:solidFill>
+                  <a:srgbClr val="273272"/>
+                </a:solidFill>
+                <a:effectLst>
+                  <a:reflection blurRad="6350" stA="53000" endA="300" endPos="35500" dir="5400000" sy="-90000" algn="bl" rotWithShape="0"/>
+                </a:effectLst>
+                <a:latin typeface="Courier New" pitchFamily="49" charset="0"/>
+                <a:cs typeface="Courier New" pitchFamily="49" charset="0"/>
+              </a:rPr>
+              <a:t> t0, zero, </a:t>
+            </a:r>
+            <a:r>
+              <a:rPr lang="en-US" sz="2400" dirty="0" err="1" smtClean="0">
+                <a:ln w="0"/>
+                <a:solidFill>
+                  <a:srgbClr val="273272"/>
+                </a:solidFill>
+                <a:effectLst>
+                  <a:reflection blurRad="6350" stA="53000" endA="300" endPos="35500" dir="5400000" sy="-90000" algn="bl" rotWithShape="0"/>
+                </a:effectLst>
+                <a:latin typeface="Courier New" pitchFamily="49" charset="0"/>
+                <a:cs typeface="Courier New" pitchFamily="49" charset="0"/>
+              </a:rPr>
+              <a:t>if_less</a:t>
+            </a:r>
+            <a:endParaRPr lang="en-US" sz="2400" dirty="0" smtClean="0">
+              <a:ln w="0"/>
+              <a:solidFill>
+                <a:srgbClr val="273272"/>
+              </a:solidFill>
+              <a:effectLst>
+                <a:reflection blurRad="6350" stA="53000" endA="300" endPos="35500" dir="5400000" sy="-90000" algn="bl" rotWithShape="0"/>
+              </a:effectLst>
+              <a:latin typeface="Courier New" pitchFamily="49" charset="0"/>
+              <a:cs typeface="Courier New" pitchFamily="49" charset="0"/>
+            </a:endParaRPr>
+          </a:p>
+          <a:p>
+            <a:r>
+              <a:rPr lang="en-US" sz="2400" dirty="0" smtClean="0">
+                <a:ln w="0"/>
+                <a:solidFill>
+                  <a:srgbClr val="273272"/>
+                </a:solidFill>
+                <a:effectLst>
+                  <a:reflection blurRad="6350" stA="53000" endA="300" endPos="35500" dir="5400000" sy="-90000" algn="bl" rotWithShape="0"/>
+                </a:effectLst>
+                <a:latin typeface="Courier New" pitchFamily="49" charset="0"/>
+                <a:cs typeface="Courier New" pitchFamily="49" charset="0"/>
+              </a:rPr>
+              <a:t>		</a:t>
+            </a:r>
+            <a:r>
+              <a:rPr lang="en-US" sz="2400" dirty="0" err="1" smtClean="0">
+                <a:ln w="0"/>
+                <a:solidFill>
+                  <a:srgbClr val="273272"/>
+                </a:solidFill>
+                <a:effectLst>
+                  <a:reflection blurRad="6350" stA="53000" endA="300" endPos="35500" dir="5400000" sy="-90000" algn="bl" rotWithShape="0"/>
+                </a:effectLst>
+                <a:latin typeface="Courier New" pitchFamily="49" charset="0"/>
+                <a:cs typeface="Courier New" pitchFamily="49" charset="0"/>
+              </a:rPr>
+              <a:t>nop</a:t>
+            </a:r>
+            <a:endParaRPr lang="en-US" sz="2400" dirty="0" smtClean="0">
+              <a:ln w="0"/>
+              <a:solidFill>
+                <a:srgbClr val="273272"/>
+              </a:solidFill>
+              <a:effectLst>
+                <a:reflection blurRad="6350" stA="53000" endA="300" endPos="35500" dir="5400000" sy="-90000" algn="bl" rotWithShape="0"/>
+              </a:effectLst>
+              <a:latin typeface="Courier New" pitchFamily="49" charset="0"/>
+              <a:cs typeface="Courier New" pitchFamily="49" charset="0"/>
+            </a:endParaRPr>
+          </a:p>
+          <a:p>
+            <a:r>
+              <a:rPr lang="en-US" sz="2400" dirty="0" smtClean="0">
+                <a:ln w="0"/>
+                <a:solidFill>
+                  <a:srgbClr val="273272"/>
+                </a:solidFill>
+                <a:effectLst>
+                  <a:reflection blurRad="6350" stA="53000" endA="300" endPos="35500" dir="5400000" sy="-90000" algn="bl" rotWithShape="0"/>
+                </a:effectLst>
+                <a:latin typeface="Courier New" pitchFamily="49" charset="0"/>
+                <a:cs typeface="Courier New" pitchFamily="49" charset="0"/>
+              </a:rPr>
+              <a:t>		sub t1, t1, t2</a:t>
+            </a:r>
+          </a:p>
+          <a:p>
+            <a:r>
+              <a:rPr lang="en-US" sz="2400" dirty="0" smtClean="0">
+                <a:ln w="0"/>
+                <a:solidFill>
+                  <a:srgbClr val="273272"/>
+                </a:solidFill>
+                <a:effectLst>
+                  <a:reflection blurRad="6350" stA="53000" endA="300" endPos="35500" dir="5400000" sy="-90000" algn="bl" rotWithShape="0"/>
+                </a:effectLst>
+                <a:latin typeface="Courier New" pitchFamily="49" charset="0"/>
+                <a:cs typeface="Courier New" pitchFamily="49" charset="0"/>
+              </a:rPr>
+              <a:t>		j cycle</a:t>
+            </a:r>
+          </a:p>
+          <a:p>
+            <a:r>
+              <a:rPr lang="en-US" sz="2400" dirty="0" smtClean="0">
+                <a:ln w="0"/>
+                <a:solidFill>
+                  <a:srgbClr val="273272"/>
+                </a:solidFill>
+                <a:effectLst>
+                  <a:reflection blurRad="6350" stA="53000" endA="300" endPos="35500" dir="5400000" sy="-90000" algn="bl" rotWithShape="0"/>
+                </a:effectLst>
+                <a:latin typeface="Courier New" pitchFamily="49" charset="0"/>
+                <a:cs typeface="Courier New" pitchFamily="49" charset="0"/>
+              </a:rPr>
+              <a:t>		</a:t>
+            </a:r>
+            <a:r>
+              <a:rPr lang="en-US" sz="2400" dirty="0" err="1" smtClean="0">
+                <a:ln w="0"/>
+                <a:solidFill>
+                  <a:srgbClr val="273272"/>
+                </a:solidFill>
+                <a:effectLst>
+                  <a:reflection blurRad="6350" stA="53000" endA="300" endPos="35500" dir="5400000" sy="-90000" algn="bl" rotWithShape="0"/>
+                </a:effectLst>
+                <a:latin typeface="Courier New" pitchFamily="49" charset="0"/>
+                <a:cs typeface="Courier New" pitchFamily="49" charset="0"/>
+              </a:rPr>
+              <a:t>nop</a:t>
+            </a:r>
+            <a:endParaRPr lang="en-US" sz="2400" dirty="0" smtClean="0">
+              <a:ln w="0"/>
+              <a:solidFill>
+                <a:srgbClr val="273272"/>
+              </a:solidFill>
+              <a:effectLst>
+                <a:reflection blurRad="6350" stA="53000" endA="300" endPos="35500" dir="5400000" sy="-90000" algn="bl" rotWithShape="0"/>
+              </a:effectLst>
+              <a:latin typeface="Courier New" pitchFamily="49" charset="0"/>
+              <a:cs typeface="Courier New" pitchFamily="49" charset="0"/>
+            </a:endParaRPr>
+          </a:p>
+          <a:p>
+            <a:r>
+              <a:rPr lang="en-US" sz="2400" dirty="0" err="1" smtClean="0">
+                <a:ln w="0"/>
+                <a:solidFill>
+                  <a:srgbClr val="273272"/>
+                </a:solidFill>
+                <a:effectLst>
+                  <a:reflection blurRad="6350" stA="53000" endA="300" endPos="35500" dir="5400000" sy="-90000" algn="bl" rotWithShape="0"/>
+                </a:effectLst>
+                <a:latin typeface="Courier New" pitchFamily="49" charset="0"/>
+                <a:cs typeface="Courier New" pitchFamily="49" charset="0"/>
+              </a:rPr>
+              <a:t>if_less</a:t>
+            </a:r>
+            <a:r>
+              <a:rPr lang="en-US" sz="2400" dirty="0" smtClean="0">
+                <a:ln w="0"/>
+                <a:solidFill>
+                  <a:srgbClr val="273272"/>
+                </a:solidFill>
+                <a:effectLst>
+                  <a:reflection blurRad="6350" stA="53000" endA="300" endPos="35500" dir="5400000" sy="-90000" algn="bl" rotWithShape="0"/>
+                </a:effectLst>
+                <a:latin typeface="Courier New" pitchFamily="49" charset="0"/>
+                <a:cs typeface="Courier New" pitchFamily="49" charset="0"/>
+              </a:rPr>
+              <a:t>:	sub t2, t2, t1</a:t>
+            </a:r>
+          </a:p>
+          <a:p>
+            <a:r>
+              <a:rPr lang="en-US" sz="2400" dirty="0" smtClean="0">
+                <a:ln w="0"/>
+                <a:solidFill>
+                  <a:srgbClr val="273272"/>
+                </a:solidFill>
+                <a:effectLst>
+                  <a:reflection blurRad="6350" stA="53000" endA="300" endPos="35500" dir="5400000" sy="-90000" algn="bl" rotWithShape="0"/>
+                </a:effectLst>
+                <a:latin typeface="Courier New" pitchFamily="49" charset="0"/>
+                <a:cs typeface="Courier New" pitchFamily="49" charset="0"/>
+              </a:rPr>
+              <a:t>		j cycle</a:t>
+            </a:r>
+          </a:p>
+          <a:p>
+            <a:r>
+              <a:rPr lang="en-US" sz="2400" dirty="0" smtClean="0">
+                <a:ln w="0"/>
+                <a:solidFill>
+                  <a:srgbClr val="273272"/>
+                </a:solidFill>
+                <a:effectLst>
+                  <a:reflection blurRad="6350" stA="53000" endA="300" endPos="35500" dir="5400000" sy="-90000" algn="bl" rotWithShape="0"/>
+                </a:effectLst>
+                <a:latin typeface="Courier New" pitchFamily="49" charset="0"/>
+                <a:cs typeface="Courier New" pitchFamily="49" charset="0"/>
+              </a:rPr>
+              <a:t>done:		add t3, t1, zero</a:t>
+            </a:r>
+            <a:endParaRPr lang="ru-RU" sz="2400" b="0" cap="none" spc="0" dirty="0">
+              <a:ln w="0"/>
+              <a:solidFill>
+                <a:srgbClr val="273272"/>
+              </a:solidFill>
+              <a:effectLst>
+                <a:reflection blurRad="6350" stA="53000" endA="300" endPos="35500" dir="5400000" sy="-90000" algn="bl" rotWithShape="0"/>
+              </a:effectLst>
+              <a:latin typeface="Courier New" pitchFamily="49" charset="0"/>
+              <a:cs typeface="Courier New" pitchFamily="49" charset="0"/>
+            </a:endParaRPr>
+          </a:p>
+        </p:txBody>
+      </p:sp>
+      <p:sp>
+        <p:nvSpPr>
+          <p:cNvPr id="2" name="Заголовок 1"/>
+          <p:cNvSpPr>
+            <a:spLocks noGrp="1"/>
+          </p:cNvSpPr>
+          <p:nvPr>
+            <p:ph type="title"/>
+          </p:nvPr>
+        </p:nvSpPr>
+        <p:spPr/>
+        <p:txBody>
+          <a:bodyPr>
+            <a:normAutofit/>
+          </a:bodyPr>
+          <a:lstStyle/>
+          <a:p>
+            <a:r>
+              <a:rPr lang="en-US" dirty="0" smtClean="0"/>
+              <a:t>Any Questions?</a:t>
+            </a:r>
+            <a:endParaRPr lang="ru-RU" sz="4000" dirty="0"/>
+          </a:p>
+        </p:txBody>
+      </p:sp>
+      <p:sp>
+        <p:nvSpPr>
+          <p:cNvPr id="6" name="Номер слайда 5"/>
+          <p:cNvSpPr>
+            <a:spLocks noGrp="1"/>
+          </p:cNvSpPr>
+          <p:nvPr>
+            <p:ph type="sldNum" sz="quarter" idx="12"/>
+          </p:nvPr>
+        </p:nvSpPr>
+        <p:spPr/>
+        <p:txBody>
+          <a:bodyPr/>
+          <a:lstStyle/>
+          <a:p>
+            <a:pPr algn="ctr"/>
+            <a:fld id="{1397BFD8-F312-4EF2-A268-44FB4BDDBBB0}" type="slidenum">
+              <a:rPr lang="ru-RU" smtClean="0"/>
+              <a:pPr algn="ctr"/>
+              <a:t>32</a:t>
+            </a:fld>
+            <a:endParaRPr lang="ru-RU" dirty="0"/>
+          </a:p>
+        </p:txBody>
+      </p:sp>
+    </p:spTree>
+    <p:extLst>
+      <p:ext uri="{BB962C8B-B14F-4D97-AF65-F5344CB8AC3E}">
+        <p14:creationId xmlns:p14="http://schemas.microsoft.com/office/powerpoint/2010/main" val="3375874209"/>
+      </p:ext>
+    </p:extLst>
+  </p:cSld>
+  <p:clrMapOvr>
+    <a:masterClrMapping/>
+  </p:clrMapOvr>
+  <p:timing>
+    <p:tnLst>
+      <p:par>
+        <p:cTn id="1" dur="indefinite" restart="never" nodeType="tmRoot"/>
+      </p:par>
+    </p:tnLst>
+  </p:timing>
+</p:sld>
+</file>
+
 <file path=ppt/slides/slide4.xml><?xml version="1.0" encoding="utf-8"?>
 <p:sld xmlns:a="http://schemas.openxmlformats.org/drawingml/2006/main" xmlns:r="http://schemas.openxmlformats.org/officeDocument/2006/relationships" xmlns:p="http://schemas.openxmlformats.org/presentationml/2006/main">
   <p:cSld>
@@ -26340,7 +26949,23 @@
             </a:r>
             <a:r>
               <a:rPr lang="en-US" dirty="0"/>
-              <a:t>IP Internet (uppercase “I”) is the most famous example of an internet (lowercase “</a:t>
+              <a:t>IP Internet (</a:t>
+            </a:r>
+            <a:r>
+              <a:rPr lang="en-US" b="1" dirty="0"/>
+              <a:t>uppercase</a:t>
+            </a:r>
+            <a:r>
+              <a:rPr lang="en-US" dirty="0"/>
+              <a:t> “I”) is the most famous example of an internet (</a:t>
+            </a:r>
+            <a:r>
+              <a:rPr lang="en-US" b="1" dirty="0"/>
+              <a:t>lowercase</a:t>
+            </a:r>
+            <a:r>
+              <a:rPr lang="en-US" dirty="0"/>
+              <a:t> “</a:t>
             </a:r>
             <a:r>
               <a:rPr lang="en-US" dirty="0" err="1"/>
@@ -29338,7 +29963,7 @@
         <p:spPr>
           <a:xfrm>
             <a:off x="854646" y="1220789"/>
-            <a:ext cx="10566210" cy="681163"/>
+            <a:ext cx="10566210" cy="964627"/>
           </a:xfrm>
         </p:spPr>
         <p:txBody>
@@ -29348,7 +29973,7 @@
           <a:lstStyle/>
           <a:p>
             <a:r>
-              <a:rPr lang="en-US" sz="2400" dirty="0"/>
+              <a:rPr lang="en-US" sz="2800" dirty="0"/>
               <a:t>For simplicity, hubs, bridges, and wires are often shown as a collection of hosts attached to a single wire:</a:t>
             </a:r>
           </a:p>
@@ -29748,11 +30373,7 @@
           <a:p>
             <a:r>
               <a:rPr lang="en-US" dirty="0"/>
-              <a:t>Next Level: </a:t>
-            </a:r>
-            <a:r>
-              <a:rPr lang="en-US" dirty="0"/>
-              <a:t>I</a:t>
+              <a:t>Next Level: I</a:t>
             </a:r>
             <a:r>
               <a:rPr lang="en-US" dirty="0" smtClean="0"/>
@@ -31102,11 +31723,7 @@
           <a:p>
             <a:r>
               <a:rPr lang="en-US" dirty="0"/>
-              <a:t>Logical Structure of </a:t>
-            </a:r>
-            <a:r>
-              <a:rPr lang="en-US" dirty="0"/>
-              <a:t>I</a:t>
+              <a:t>Logical Structure of I</a:t>
             </a:r>
             <a:r>
               <a:rPr lang="en-US" dirty="0" smtClean="0"/>
@@ -31129,7 +31746,7 @@
         <p:spPr>
           <a:xfrm>
             <a:off x="838200" y="3853520"/>
-            <a:ext cx="10701528" cy="2766736"/>
+            <a:ext cx="10701528" cy="2885608"/>
           </a:xfrm>
         </p:spPr>
         <p:txBody>

--- a/docs/part2os/12_Networking/OS_Lecture_12.pptx
+++ b/docs/part2os/12_Networking/OS_Lecture_12.pptx
@@ -143,7 +143,7 @@
   </p:defaultTextStyle>
   <p:extLst>
     <p:ext uri="{EFAFB233-063F-42B5-8137-9DF3F51BA10A}">
-      <p15:sldGuideLst xmlns:p15="http://schemas.microsoft.com/office/powerpoint/2012/main">
+      <p15:sldGuideLst xmlns:p15="http://schemas.microsoft.com/office/powerpoint/2012/main" xmlns="">
         <p15:guide id="1" orient="horz" pos="2160">
           <p15:clr>
             <a:srgbClr val="A4A3A4"/>
@@ -157,7 +157,7 @@
       </p15:sldGuideLst>
     </p:ext>
     <p:ext uri="{2D200454-40CA-4A62-9FC3-DE9A4176ACB9}">
-      <p15:notesGuideLst xmlns:p15="http://schemas.microsoft.com/office/powerpoint/2012/main">
+      <p15:notesGuideLst xmlns:p15="http://schemas.microsoft.com/office/powerpoint/2012/main" xmlns="">
         <p15:guide id="1" orient="horz" pos="2880">
           <p15:clr>
             <a:srgbClr val="A4A3A4"/>
@@ -265,7 +265,7 @@
             <a:fld id="{D0106195-8D78-4F6F-B8E4-FA67975ACEF5}" type="datetimeFigureOut">
               <a:rPr lang="ru-RU" smtClean="0"/>
               <a:pPr/>
-              <a:t>01.06.2021</a:t>
+              <a:t>06.06.2021</a:t>
             </a:fld>
             <a:endParaRPr lang="ru-RU"/>
           </a:p>
@@ -341,7 +341,7 @@
     </p:spTree>
     <p:extLst>
       <p:ext uri="{BB962C8B-B14F-4D97-AF65-F5344CB8AC3E}">
-        <p14:creationId xmlns:p14="http://schemas.microsoft.com/office/powerpoint/2010/main" val="827279973"/>
+        <p14:creationId xmlns:p14="http://schemas.microsoft.com/office/powerpoint/2010/main" xmlns="" val="827279973"/>
       </p:ext>
     </p:extLst>
   </p:cSld>
@@ -433,7 +433,7 @@
             <a:fld id="{878212F1-C3D9-4F2B-8F42-5E960FE8BE51}" type="datetimeFigureOut">
               <a:rPr lang="ru-RU" smtClean="0"/>
               <a:pPr/>
-              <a:t>01.06.2021</a:t>
+              <a:t>06.06.2021</a:t>
             </a:fld>
             <a:endParaRPr lang="ru-RU"/>
           </a:p>
@@ -602,7 +602,7 @@
     </p:spTree>
     <p:extLst>
       <p:ext uri="{BB962C8B-B14F-4D97-AF65-F5344CB8AC3E}">
-        <p14:creationId xmlns:p14="http://schemas.microsoft.com/office/powerpoint/2010/main" val="3865021395"/>
+        <p14:creationId xmlns:p14="http://schemas.microsoft.com/office/powerpoint/2010/main" xmlns="" val="3865021395"/>
       </p:ext>
     </p:extLst>
   </p:cSld>
@@ -816,7 +816,7 @@
     </p:spTree>
     <p:extLst>
       <p:ext uri="{BB962C8B-B14F-4D97-AF65-F5344CB8AC3E}">
-        <p14:creationId xmlns:p14="http://schemas.microsoft.com/office/powerpoint/2010/main" val="2381791527"/>
+        <p14:creationId xmlns:p14="http://schemas.microsoft.com/office/powerpoint/2010/main" xmlns="" val="2381791527"/>
       </p:ext>
     </p:extLst>
   </p:cSld>
@@ -879,7 +879,7 @@
     </p:spTree>
     <p:extLst>
       <p:ext uri="{BB962C8B-B14F-4D97-AF65-F5344CB8AC3E}">
-        <p14:creationId xmlns:p14="http://schemas.microsoft.com/office/powerpoint/2010/main" val="1714047491"/>
+        <p14:creationId xmlns:p14="http://schemas.microsoft.com/office/powerpoint/2010/main" xmlns="" val="1714047491"/>
       </p:ext>
     </p:extLst>
   </p:cSld>
@@ -942,7 +942,7 @@
     </p:spTree>
     <p:extLst>
       <p:ext uri="{BB962C8B-B14F-4D97-AF65-F5344CB8AC3E}">
-        <p14:creationId xmlns:p14="http://schemas.microsoft.com/office/powerpoint/2010/main" val="4197212976"/>
+        <p14:creationId xmlns:p14="http://schemas.microsoft.com/office/powerpoint/2010/main" xmlns="" val="4197212976"/>
       </p:ext>
     </p:extLst>
   </p:cSld>
@@ -1005,7 +1005,7 @@
     </p:spTree>
     <p:extLst>
       <p:ext uri="{BB962C8B-B14F-4D97-AF65-F5344CB8AC3E}">
-        <p14:creationId xmlns:p14="http://schemas.microsoft.com/office/powerpoint/2010/main" val="2655477006"/>
+        <p14:creationId xmlns:p14="http://schemas.microsoft.com/office/powerpoint/2010/main" xmlns="" val="2655477006"/>
       </p:ext>
     </p:extLst>
   </p:cSld>
@@ -1068,7 +1068,7 @@
     </p:spTree>
     <p:extLst>
       <p:ext uri="{BB962C8B-B14F-4D97-AF65-F5344CB8AC3E}">
-        <p14:creationId xmlns:p14="http://schemas.microsoft.com/office/powerpoint/2010/main" val="1865550629"/>
+        <p14:creationId xmlns:p14="http://schemas.microsoft.com/office/powerpoint/2010/main" xmlns="" val="1865550629"/>
       </p:ext>
     </p:extLst>
   </p:cSld>
@@ -1131,7 +1131,7 @@
     </p:spTree>
     <p:extLst>
       <p:ext uri="{BB962C8B-B14F-4D97-AF65-F5344CB8AC3E}">
-        <p14:creationId xmlns:p14="http://schemas.microsoft.com/office/powerpoint/2010/main" val="3072577831"/>
+        <p14:creationId xmlns:p14="http://schemas.microsoft.com/office/powerpoint/2010/main" xmlns="" val="3072577831"/>
       </p:ext>
     </p:extLst>
   </p:cSld>
@@ -1194,7 +1194,7 @@
     </p:spTree>
     <p:extLst>
       <p:ext uri="{BB962C8B-B14F-4D97-AF65-F5344CB8AC3E}">
-        <p14:creationId xmlns:p14="http://schemas.microsoft.com/office/powerpoint/2010/main" val="3967563595"/>
+        <p14:creationId xmlns:p14="http://schemas.microsoft.com/office/powerpoint/2010/main" xmlns="" val="3967563595"/>
       </p:ext>
     </p:extLst>
   </p:cSld>
@@ -1257,7 +1257,7 @@
     </p:spTree>
     <p:extLst>
       <p:ext uri="{BB962C8B-B14F-4D97-AF65-F5344CB8AC3E}">
-        <p14:creationId xmlns:p14="http://schemas.microsoft.com/office/powerpoint/2010/main" val="2311799568"/>
+        <p14:creationId xmlns:p14="http://schemas.microsoft.com/office/powerpoint/2010/main" xmlns="" val="2311799568"/>
       </p:ext>
     </p:extLst>
   </p:cSld>
@@ -1320,7 +1320,7 @@
     </p:spTree>
     <p:extLst>
       <p:ext uri="{BB962C8B-B14F-4D97-AF65-F5344CB8AC3E}">
-        <p14:creationId xmlns:p14="http://schemas.microsoft.com/office/powerpoint/2010/main" val="167656487"/>
+        <p14:creationId xmlns:p14="http://schemas.microsoft.com/office/powerpoint/2010/main" xmlns="" val="167656487"/>
       </p:ext>
     </p:extLst>
   </p:cSld>
@@ -1383,7 +1383,7 @@
     </p:spTree>
     <p:extLst>
       <p:ext uri="{BB962C8B-B14F-4D97-AF65-F5344CB8AC3E}">
-        <p14:creationId xmlns:p14="http://schemas.microsoft.com/office/powerpoint/2010/main" val="4226808234"/>
+        <p14:creationId xmlns:p14="http://schemas.microsoft.com/office/powerpoint/2010/main" xmlns="" val="4226808234"/>
       </p:ext>
     </p:extLst>
   </p:cSld>
@@ -1446,7 +1446,7 @@
     </p:spTree>
     <p:extLst>
       <p:ext uri="{BB962C8B-B14F-4D97-AF65-F5344CB8AC3E}">
-        <p14:creationId xmlns:p14="http://schemas.microsoft.com/office/powerpoint/2010/main" val="2683904873"/>
+        <p14:creationId xmlns:p14="http://schemas.microsoft.com/office/powerpoint/2010/main" xmlns="" val="2683904873"/>
       </p:ext>
     </p:extLst>
   </p:cSld>
@@ -1509,7 +1509,7 @@
     </p:spTree>
     <p:extLst>
       <p:ext uri="{BB962C8B-B14F-4D97-AF65-F5344CB8AC3E}">
-        <p14:creationId xmlns:p14="http://schemas.microsoft.com/office/powerpoint/2010/main" val="2792696255"/>
+        <p14:creationId xmlns:p14="http://schemas.microsoft.com/office/powerpoint/2010/main" xmlns="" val="2792696255"/>
       </p:ext>
     </p:extLst>
   </p:cSld>
@@ -1572,7 +1572,7 @@
     </p:spTree>
     <p:extLst>
       <p:ext uri="{BB962C8B-B14F-4D97-AF65-F5344CB8AC3E}">
-        <p14:creationId xmlns:p14="http://schemas.microsoft.com/office/powerpoint/2010/main" val="1518025153"/>
+        <p14:creationId xmlns:p14="http://schemas.microsoft.com/office/powerpoint/2010/main" xmlns="" val="1518025153"/>
       </p:ext>
     </p:extLst>
   </p:cSld>
@@ -1635,7 +1635,7 @@
     </p:spTree>
     <p:extLst>
       <p:ext uri="{BB962C8B-B14F-4D97-AF65-F5344CB8AC3E}">
-        <p14:creationId xmlns:p14="http://schemas.microsoft.com/office/powerpoint/2010/main" val="3563460614"/>
+        <p14:creationId xmlns:p14="http://schemas.microsoft.com/office/powerpoint/2010/main" xmlns="" val="3563460614"/>
       </p:ext>
     </p:extLst>
   </p:cSld>
@@ -1698,7 +1698,7 @@
     </p:spTree>
     <p:extLst>
       <p:ext uri="{BB962C8B-B14F-4D97-AF65-F5344CB8AC3E}">
-        <p14:creationId xmlns:p14="http://schemas.microsoft.com/office/powerpoint/2010/main" val="488127116"/>
+        <p14:creationId xmlns:p14="http://schemas.microsoft.com/office/powerpoint/2010/main" xmlns="" val="488127116"/>
       </p:ext>
     </p:extLst>
   </p:cSld>
@@ -1761,7 +1761,7 @@
     </p:spTree>
     <p:extLst>
       <p:ext uri="{BB962C8B-B14F-4D97-AF65-F5344CB8AC3E}">
-        <p14:creationId xmlns:p14="http://schemas.microsoft.com/office/powerpoint/2010/main" val="596256986"/>
+        <p14:creationId xmlns:p14="http://schemas.microsoft.com/office/powerpoint/2010/main" xmlns="" val="596256986"/>
       </p:ext>
     </p:extLst>
   </p:cSld>
@@ -1824,7 +1824,7 @@
     </p:spTree>
     <p:extLst>
       <p:ext uri="{BB962C8B-B14F-4D97-AF65-F5344CB8AC3E}">
-        <p14:creationId xmlns:p14="http://schemas.microsoft.com/office/powerpoint/2010/main" val="3330494505"/>
+        <p14:creationId xmlns:p14="http://schemas.microsoft.com/office/powerpoint/2010/main" xmlns="" val="3330494505"/>
       </p:ext>
     </p:extLst>
   </p:cSld>
@@ -1887,7 +1887,7 @@
     </p:spTree>
     <p:extLst>
       <p:ext uri="{BB962C8B-B14F-4D97-AF65-F5344CB8AC3E}">
-        <p14:creationId xmlns:p14="http://schemas.microsoft.com/office/powerpoint/2010/main" val="150560142"/>
+        <p14:creationId xmlns:p14="http://schemas.microsoft.com/office/powerpoint/2010/main" xmlns="" val="150560142"/>
       </p:ext>
     </p:extLst>
   </p:cSld>
@@ -1950,7 +1950,7 @@
     </p:spTree>
     <p:extLst>
       <p:ext uri="{BB962C8B-B14F-4D97-AF65-F5344CB8AC3E}">
-        <p14:creationId xmlns:p14="http://schemas.microsoft.com/office/powerpoint/2010/main" val="3221675501"/>
+        <p14:creationId xmlns:p14="http://schemas.microsoft.com/office/powerpoint/2010/main" xmlns="" val="3221675501"/>
       </p:ext>
     </p:extLst>
   </p:cSld>
@@ -2013,7 +2013,7 @@
     </p:spTree>
     <p:extLst>
       <p:ext uri="{BB962C8B-B14F-4D97-AF65-F5344CB8AC3E}">
-        <p14:creationId xmlns:p14="http://schemas.microsoft.com/office/powerpoint/2010/main" val="2333861104"/>
+        <p14:creationId xmlns:p14="http://schemas.microsoft.com/office/powerpoint/2010/main" xmlns="" val="2333861104"/>
       </p:ext>
     </p:extLst>
   </p:cSld>
@@ -2076,7 +2076,7 @@
     </p:spTree>
     <p:extLst>
       <p:ext uri="{BB962C8B-B14F-4D97-AF65-F5344CB8AC3E}">
-        <p14:creationId xmlns:p14="http://schemas.microsoft.com/office/powerpoint/2010/main" val="900329350"/>
+        <p14:creationId xmlns:p14="http://schemas.microsoft.com/office/powerpoint/2010/main" xmlns="" val="900329350"/>
       </p:ext>
     </p:extLst>
   </p:cSld>
@@ -2199,7 +2199,7 @@
     </p:spTree>
     <p:extLst>
       <p:ext uri="{BB962C8B-B14F-4D97-AF65-F5344CB8AC3E}">
-        <p14:creationId xmlns:p14="http://schemas.microsoft.com/office/powerpoint/2010/main" val="2518957284"/>
+        <p14:creationId xmlns:p14="http://schemas.microsoft.com/office/powerpoint/2010/main" xmlns="" val="2518957284"/>
       </p:ext>
     </p:extLst>
   </p:cSld>
@@ -2262,7 +2262,7 @@
     </p:spTree>
     <p:extLst>
       <p:ext uri="{BB962C8B-B14F-4D97-AF65-F5344CB8AC3E}">
-        <p14:creationId xmlns:p14="http://schemas.microsoft.com/office/powerpoint/2010/main" val="3358118859"/>
+        <p14:creationId xmlns:p14="http://schemas.microsoft.com/office/powerpoint/2010/main" xmlns="" val="3358118859"/>
       </p:ext>
     </p:extLst>
   </p:cSld>
@@ -2325,7 +2325,7 @@
     </p:spTree>
     <p:extLst>
       <p:ext uri="{BB962C8B-B14F-4D97-AF65-F5344CB8AC3E}">
-        <p14:creationId xmlns:p14="http://schemas.microsoft.com/office/powerpoint/2010/main" val="3416878808"/>
+        <p14:creationId xmlns:p14="http://schemas.microsoft.com/office/powerpoint/2010/main" xmlns="" val="3416878808"/>
       </p:ext>
     </p:extLst>
   </p:cSld>
@@ -2388,7 +2388,7 @@
     </p:spTree>
     <p:extLst>
       <p:ext uri="{BB962C8B-B14F-4D97-AF65-F5344CB8AC3E}">
-        <p14:creationId xmlns:p14="http://schemas.microsoft.com/office/powerpoint/2010/main" val="3062825352"/>
+        <p14:creationId xmlns:p14="http://schemas.microsoft.com/office/powerpoint/2010/main" xmlns="" val="3062825352"/>
       </p:ext>
     </p:extLst>
   </p:cSld>
@@ -2451,7 +2451,7 @@
     </p:spTree>
     <p:extLst>
       <p:ext uri="{BB962C8B-B14F-4D97-AF65-F5344CB8AC3E}">
-        <p14:creationId xmlns:p14="http://schemas.microsoft.com/office/powerpoint/2010/main" val="4268344010"/>
+        <p14:creationId xmlns:p14="http://schemas.microsoft.com/office/powerpoint/2010/main" xmlns="" val="4268344010"/>
       </p:ext>
     </p:extLst>
   </p:cSld>
@@ -2514,7 +2514,7 @@
     </p:spTree>
     <p:extLst>
       <p:ext uri="{BB962C8B-B14F-4D97-AF65-F5344CB8AC3E}">
-        <p14:creationId xmlns:p14="http://schemas.microsoft.com/office/powerpoint/2010/main" val="1951274753"/>
+        <p14:creationId xmlns:p14="http://schemas.microsoft.com/office/powerpoint/2010/main" xmlns="" val="1951274753"/>
       </p:ext>
     </p:extLst>
   </p:cSld>
@@ -2577,7 +2577,7 @@
     </p:spTree>
     <p:extLst>
       <p:ext uri="{BB962C8B-B14F-4D97-AF65-F5344CB8AC3E}">
-        <p14:creationId xmlns:p14="http://schemas.microsoft.com/office/powerpoint/2010/main" val="2420744817"/>
+        <p14:creationId xmlns:p14="http://schemas.microsoft.com/office/powerpoint/2010/main" xmlns="" val="2420744817"/>
       </p:ext>
     </p:extLst>
   </p:cSld>
@@ -2640,7 +2640,7 @@
     </p:spTree>
     <p:extLst>
       <p:ext uri="{BB962C8B-B14F-4D97-AF65-F5344CB8AC3E}">
-        <p14:creationId xmlns:p14="http://schemas.microsoft.com/office/powerpoint/2010/main" val="1037892068"/>
+        <p14:creationId xmlns:p14="http://schemas.microsoft.com/office/powerpoint/2010/main" xmlns="" val="1037892068"/>
       </p:ext>
     </p:extLst>
   </p:cSld>
@@ -2900,7 +2900,7 @@
     </p:spTree>
     <p:extLst>
       <p:ext uri="{BB962C8B-B14F-4D97-AF65-F5344CB8AC3E}">
-        <p14:creationId xmlns:p14="http://schemas.microsoft.com/office/powerpoint/2010/main" val="322455162"/>
+        <p14:creationId xmlns:p14="http://schemas.microsoft.com/office/powerpoint/2010/main" xmlns="" val="322455162"/>
       </p:ext>
     </p:extLst>
   </p:cSld>
@@ -3074,7 +3074,7 @@
     </p:spTree>
     <p:extLst>
       <p:ext uri="{BB962C8B-B14F-4D97-AF65-F5344CB8AC3E}">
-        <p14:creationId xmlns:p14="http://schemas.microsoft.com/office/powerpoint/2010/main" val="971117636"/>
+        <p14:creationId xmlns:p14="http://schemas.microsoft.com/office/powerpoint/2010/main" xmlns="" val="971117636"/>
       </p:ext>
     </p:extLst>
   </p:cSld>
@@ -3251,7 +3251,7 @@
     </p:spTree>
     <p:extLst>
       <p:ext uri="{BB962C8B-B14F-4D97-AF65-F5344CB8AC3E}">
-        <p14:creationId xmlns:p14="http://schemas.microsoft.com/office/powerpoint/2010/main" val="3348877825"/>
+        <p14:creationId xmlns:p14="http://schemas.microsoft.com/office/powerpoint/2010/main" xmlns="" val="3348877825"/>
       </p:ext>
     </p:extLst>
   </p:cSld>
@@ -3576,7 +3576,7 @@
     </p:spTree>
     <p:extLst>
       <p:ext uri="{BB962C8B-B14F-4D97-AF65-F5344CB8AC3E}">
-        <p14:creationId xmlns:p14="http://schemas.microsoft.com/office/powerpoint/2010/main" val="3256953994"/>
+        <p14:creationId xmlns:p14="http://schemas.microsoft.com/office/powerpoint/2010/main" xmlns="" val="3256953994"/>
       </p:ext>
     </p:extLst>
   </p:cSld>
@@ -3826,7 +3826,7 @@
     </p:spTree>
     <p:extLst>
       <p:ext uri="{BB962C8B-B14F-4D97-AF65-F5344CB8AC3E}">
-        <p14:creationId xmlns:p14="http://schemas.microsoft.com/office/powerpoint/2010/main" val="3067076846"/>
+        <p14:creationId xmlns:p14="http://schemas.microsoft.com/office/powerpoint/2010/main" xmlns="" val="3067076846"/>
       </p:ext>
     </p:extLst>
   </p:cSld>
@@ -4062,7 +4062,7 @@
     </p:spTree>
     <p:extLst>
       <p:ext uri="{BB962C8B-B14F-4D97-AF65-F5344CB8AC3E}">
-        <p14:creationId xmlns:p14="http://schemas.microsoft.com/office/powerpoint/2010/main" val="3710015975"/>
+        <p14:creationId xmlns:p14="http://schemas.microsoft.com/office/powerpoint/2010/main" xmlns="" val="3710015975"/>
       </p:ext>
     </p:extLst>
   </p:cSld>
@@ -4433,7 +4433,7 @@
     </p:spTree>
     <p:extLst>
       <p:ext uri="{BB962C8B-B14F-4D97-AF65-F5344CB8AC3E}">
-        <p14:creationId xmlns:p14="http://schemas.microsoft.com/office/powerpoint/2010/main" val="4075590966"/>
+        <p14:creationId xmlns:p14="http://schemas.microsoft.com/office/powerpoint/2010/main" xmlns="" val="4075590966"/>
       </p:ext>
     </p:extLst>
   </p:cSld>
@@ -4555,7 +4555,7 @@
     </p:spTree>
     <p:extLst>
       <p:ext uri="{BB962C8B-B14F-4D97-AF65-F5344CB8AC3E}">
-        <p14:creationId xmlns:p14="http://schemas.microsoft.com/office/powerpoint/2010/main" val="2889604898"/>
+        <p14:creationId xmlns:p14="http://schemas.microsoft.com/office/powerpoint/2010/main" xmlns="" val="2889604898"/>
       </p:ext>
     </p:extLst>
   </p:cSld>
@@ -4654,7 +4654,7 @@
     </p:spTree>
     <p:extLst>
       <p:ext uri="{BB962C8B-B14F-4D97-AF65-F5344CB8AC3E}">
-        <p14:creationId xmlns:p14="http://schemas.microsoft.com/office/powerpoint/2010/main" val="152384765"/>
+        <p14:creationId xmlns:p14="http://schemas.microsoft.com/office/powerpoint/2010/main" xmlns="" val="152384765"/>
       </p:ext>
     </p:extLst>
   </p:cSld>
@@ -4935,7 +4935,7 @@
     </p:spTree>
     <p:extLst>
       <p:ext uri="{BB962C8B-B14F-4D97-AF65-F5344CB8AC3E}">
-        <p14:creationId xmlns:p14="http://schemas.microsoft.com/office/powerpoint/2010/main" val="2127791886"/>
+        <p14:creationId xmlns:p14="http://schemas.microsoft.com/office/powerpoint/2010/main" xmlns="" val="2127791886"/>
       </p:ext>
     </p:extLst>
   </p:cSld>
@@ -5192,7 +5192,7 @@
     </p:spTree>
     <p:extLst>
       <p:ext uri="{BB962C8B-B14F-4D97-AF65-F5344CB8AC3E}">
-        <p14:creationId xmlns:p14="http://schemas.microsoft.com/office/powerpoint/2010/main" val="1752705130"/>
+        <p14:creationId xmlns:p14="http://schemas.microsoft.com/office/powerpoint/2010/main" xmlns="" val="1752705130"/>
       </p:ext>
     </p:extLst>
   </p:cSld>
@@ -5445,7 +5445,7 @@
     </p:spTree>
     <p:extLst>
       <p:ext uri="{BB962C8B-B14F-4D97-AF65-F5344CB8AC3E}">
-        <p14:creationId xmlns:p14="http://schemas.microsoft.com/office/powerpoint/2010/main" val="968833914"/>
+        <p14:creationId xmlns:p14="http://schemas.microsoft.com/office/powerpoint/2010/main" xmlns="" val="968833914"/>
       </p:ext>
     </p:extLst>
   </p:cSld>
@@ -5931,7 +5931,7 @@
     </p:spTree>
     <p:extLst>
       <p:ext uri="{BB962C8B-B14F-4D97-AF65-F5344CB8AC3E}">
-        <p14:creationId xmlns:p14="http://schemas.microsoft.com/office/powerpoint/2010/main" val="2492894732"/>
+        <p14:creationId xmlns:p14="http://schemas.microsoft.com/office/powerpoint/2010/main" xmlns="" val="2492894732"/>
       </p:ext>
     </p:extLst>
   </p:cSld>
@@ -6088,10 +6088,40 @@
           </a:p>
         </p:txBody>
       </p:sp>
+      <p:sp>
+        <p:nvSpPr>
+          <p:cNvPr id="4" name="Номер слайда 5"/>
+          <p:cNvSpPr>
+            <a:spLocks noGrp="1"/>
+          </p:cNvSpPr>
+          <p:nvPr>
+            <p:ph type="sldNum" sz="quarter" idx="12"/>
+          </p:nvPr>
+        </p:nvSpPr>
+        <p:spPr>
+          <a:xfrm>
+            <a:off x="10776031" y="6190938"/>
+            <a:ext cx="594673" cy="479419"/>
+          </a:xfrm>
+        </p:spPr>
+        <p:txBody>
+          <a:bodyPr/>
+          <a:lstStyle/>
+          <a:p>
+            <a:pPr algn="ctr"/>
+            <a:fld id="{1397BFD8-F312-4EF2-A268-44FB4BDDBBB0}" type="slidenum">
+              <a:rPr lang="ru-RU" smtClean="0"/>
+              <a:pPr algn="ctr"/>
+              <a:t>10</a:t>
+            </a:fld>
+            <a:endParaRPr lang="ru-RU" dirty="0"/>
+          </a:p>
+        </p:txBody>
+      </p:sp>
     </p:spTree>
     <p:extLst>
       <p:ext uri="{BB962C8B-B14F-4D97-AF65-F5344CB8AC3E}">
-        <p14:creationId xmlns:p14="http://schemas.microsoft.com/office/powerpoint/2010/main" val="1125698554"/>
+        <p14:creationId xmlns:p14="http://schemas.microsoft.com/office/powerpoint/2010/main" xmlns="" val="1125698554"/>
       </p:ext>
     </p:extLst>
   </p:cSld>
@@ -6330,10 +6360,40 @@
           </a:p>
         </p:txBody>
       </p:sp>
+      <p:sp>
+        <p:nvSpPr>
+          <p:cNvPr id="4" name="Номер слайда 5"/>
+          <p:cNvSpPr>
+            <a:spLocks noGrp="1"/>
+          </p:cNvSpPr>
+          <p:nvPr>
+            <p:ph type="sldNum" sz="quarter" idx="12"/>
+          </p:nvPr>
+        </p:nvSpPr>
+        <p:spPr>
+          <a:xfrm>
+            <a:off x="10776031" y="6190938"/>
+            <a:ext cx="594673" cy="479419"/>
+          </a:xfrm>
+        </p:spPr>
+        <p:txBody>
+          <a:bodyPr/>
+          <a:lstStyle/>
+          <a:p>
+            <a:pPr algn="ctr"/>
+            <a:fld id="{1397BFD8-F312-4EF2-A268-44FB4BDDBBB0}" type="slidenum">
+              <a:rPr lang="ru-RU" smtClean="0"/>
+              <a:pPr algn="ctr"/>
+              <a:t>11</a:t>
+            </a:fld>
+            <a:endParaRPr lang="ru-RU" dirty="0"/>
+          </a:p>
+        </p:txBody>
+      </p:sp>
     </p:spTree>
     <p:extLst>
       <p:ext uri="{BB962C8B-B14F-4D97-AF65-F5344CB8AC3E}">
-        <p14:creationId xmlns:p14="http://schemas.microsoft.com/office/powerpoint/2010/main" val="708394354"/>
+        <p14:creationId xmlns:p14="http://schemas.microsoft.com/office/powerpoint/2010/main" xmlns="" val="708394354"/>
       </p:ext>
     </p:extLst>
   </p:cSld>
@@ -9253,10 +9313,40 @@
           </a:p>
         </p:txBody>
       </p:sp>
+      <p:sp>
+        <p:nvSpPr>
+          <p:cNvPr id="84" name="Номер слайда 5"/>
+          <p:cNvSpPr>
+            <a:spLocks noGrp="1"/>
+          </p:cNvSpPr>
+          <p:nvPr>
+            <p:ph type="sldNum" sz="quarter" idx="12"/>
+          </p:nvPr>
+        </p:nvSpPr>
+        <p:spPr>
+          <a:xfrm>
+            <a:off x="10776031" y="6190938"/>
+            <a:ext cx="594673" cy="479419"/>
+          </a:xfrm>
+        </p:spPr>
+        <p:txBody>
+          <a:bodyPr/>
+          <a:lstStyle/>
+          <a:p>
+            <a:pPr algn="ctr"/>
+            <a:fld id="{1397BFD8-F312-4EF2-A268-44FB4BDDBBB0}" type="slidenum">
+              <a:rPr lang="ru-RU" smtClean="0"/>
+              <a:pPr algn="ctr"/>
+              <a:t>12</a:t>
+            </a:fld>
+            <a:endParaRPr lang="ru-RU" dirty="0"/>
+          </a:p>
+        </p:txBody>
+      </p:sp>
     </p:spTree>
     <p:extLst>
       <p:ext uri="{BB962C8B-B14F-4D97-AF65-F5344CB8AC3E}">
-        <p14:creationId xmlns:p14="http://schemas.microsoft.com/office/powerpoint/2010/main" val="378761697"/>
+        <p14:creationId xmlns:p14="http://schemas.microsoft.com/office/powerpoint/2010/main" xmlns="" val="378761697"/>
       </p:ext>
     </p:extLst>
   </p:cSld>
@@ -9816,10 +9906,40 @@
           </a:p>
         </p:txBody>
       </p:sp>
+      <p:sp>
+        <p:nvSpPr>
+          <p:cNvPr id="4" name="Номер слайда 5"/>
+          <p:cNvSpPr>
+            <a:spLocks noGrp="1"/>
+          </p:cNvSpPr>
+          <p:nvPr>
+            <p:ph type="sldNum" sz="quarter" idx="12"/>
+          </p:nvPr>
+        </p:nvSpPr>
+        <p:spPr>
+          <a:xfrm>
+            <a:off x="10776031" y="6190938"/>
+            <a:ext cx="594673" cy="479419"/>
+          </a:xfrm>
+        </p:spPr>
+        <p:txBody>
+          <a:bodyPr/>
+          <a:lstStyle/>
+          <a:p>
+            <a:pPr algn="ctr"/>
+            <a:fld id="{1397BFD8-F312-4EF2-A268-44FB4BDDBBB0}" type="slidenum">
+              <a:rPr lang="ru-RU" smtClean="0"/>
+              <a:pPr algn="ctr"/>
+              <a:t>13</a:t>
+            </a:fld>
+            <a:endParaRPr lang="ru-RU" dirty="0"/>
+          </a:p>
+        </p:txBody>
+      </p:sp>
     </p:spTree>
     <p:extLst>
       <p:ext uri="{BB962C8B-B14F-4D97-AF65-F5344CB8AC3E}">
-        <p14:creationId xmlns:p14="http://schemas.microsoft.com/office/powerpoint/2010/main" val="3201216132"/>
+        <p14:creationId xmlns:p14="http://schemas.microsoft.com/office/powerpoint/2010/main" xmlns="" val="3201216132"/>
       </p:ext>
     </p:extLst>
   </p:cSld>
@@ -10208,10 +10328,40 @@
           </a:p>
         </p:txBody>
       </p:sp>
+      <p:sp>
+        <p:nvSpPr>
+          <p:cNvPr id="4" name="Номер слайда 5"/>
+          <p:cNvSpPr>
+            <a:spLocks noGrp="1"/>
+          </p:cNvSpPr>
+          <p:nvPr>
+            <p:ph type="sldNum" sz="quarter" idx="12"/>
+          </p:nvPr>
+        </p:nvSpPr>
+        <p:spPr>
+          <a:xfrm>
+            <a:off x="10776031" y="6190938"/>
+            <a:ext cx="594673" cy="479419"/>
+          </a:xfrm>
+        </p:spPr>
+        <p:txBody>
+          <a:bodyPr/>
+          <a:lstStyle/>
+          <a:p>
+            <a:pPr algn="ctr"/>
+            <a:fld id="{1397BFD8-F312-4EF2-A268-44FB4BDDBBB0}" type="slidenum">
+              <a:rPr lang="ru-RU" smtClean="0"/>
+              <a:pPr algn="ctr"/>
+              <a:t>14</a:t>
+            </a:fld>
+            <a:endParaRPr lang="ru-RU" dirty="0"/>
+          </a:p>
+        </p:txBody>
+      </p:sp>
     </p:spTree>
     <p:extLst>
       <p:ext uri="{BB962C8B-B14F-4D97-AF65-F5344CB8AC3E}">
-        <p14:creationId xmlns:p14="http://schemas.microsoft.com/office/powerpoint/2010/main" val="4234638272"/>
+        <p14:creationId xmlns:p14="http://schemas.microsoft.com/office/powerpoint/2010/main" xmlns="" val="4234638272"/>
       </p:ext>
     </p:extLst>
   </p:cSld>
@@ -11297,10 +11447,40 @@
           </a:p>
         </p:txBody>
       </p:sp>
+      <p:sp>
+        <p:nvSpPr>
+          <p:cNvPr id="27" name="Номер слайда 5"/>
+          <p:cNvSpPr>
+            <a:spLocks noGrp="1"/>
+          </p:cNvSpPr>
+          <p:nvPr>
+            <p:ph type="sldNum" sz="quarter" idx="12"/>
+          </p:nvPr>
+        </p:nvSpPr>
+        <p:spPr>
+          <a:xfrm>
+            <a:off x="10776031" y="6190938"/>
+            <a:ext cx="594673" cy="479419"/>
+          </a:xfrm>
+        </p:spPr>
+        <p:txBody>
+          <a:bodyPr/>
+          <a:lstStyle/>
+          <a:p>
+            <a:pPr algn="ctr"/>
+            <a:fld id="{1397BFD8-F312-4EF2-A268-44FB4BDDBBB0}" type="slidenum">
+              <a:rPr lang="ru-RU" smtClean="0"/>
+              <a:pPr algn="ctr"/>
+              <a:t>15</a:t>
+            </a:fld>
+            <a:endParaRPr lang="ru-RU" dirty="0"/>
+          </a:p>
+        </p:txBody>
+      </p:sp>
     </p:spTree>
     <p:extLst>
       <p:ext uri="{BB962C8B-B14F-4D97-AF65-F5344CB8AC3E}">
-        <p14:creationId xmlns:p14="http://schemas.microsoft.com/office/powerpoint/2010/main" val="564756160"/>
+        <p14:creationId xmlns:p14="http://schemas.microsoft.com/office/powerpoint/2010/main" xmlns="" val="564756160"/>
       </p:ext>
     </p:extLst>
   </p:cSld>
@@ -11503,10 +11683,40 @@
           </a:p>
         </p:txBody>
       </p:sp>
+      <p:sp>
+        <p:nvSpPr>
+          <p:cNvPr id="4" name="Номер слайда 5"/>
+          <p:cNvSpPr>
+            <a:spLocks noGrp="1"/>
+          </p:cNvSpPr>
+          <p:nvPr>
+            <p:ph type="sldNum" sz="quarter" idx="12"/>
+          </p:nvPr>
+        </p:nvSpPr>
+        <p:spPr>
+          <a:xfrm>
+            <a:off x="10776031" y="6190938"/>
+            <a:ext cx="594673" cy="479419"/>
+          </a:xfrm>
+        </p:spPr>
+        <p:txBody>
+          <a:bodyPr/>
+          <a:lstStyle/>
+          <a:p>
+            <a:pPr algn="ctr"/>
+            <a:fld id="{1397BFD8-F312-4EF2-A268-44FB4BDDBBB0}" type="slidenum">
+              <a:rPr lang="ru-RU" smtClean="0"/>
+              <a:pPr algn="ctr"/>
+              <a:t>16</a:t>
+            </a:fld>
+            <a:endParaRPr lang="ru-RU" dirty="0"/>
+          </a:p>
+        </p:txBody>
+      </p:sp>
     </p:spTree>
     <p:extLst>
       <p:ext uri="{BB962C8B-B14F-4D97-AF65-F5344CB8AC3E}">
-        <p14:creationId xmlns:p14="http://schemas.microsoft.com/office/powerpoint/2010/main" val="2348297675"/>
+        <p14:creationId xmlns:p14="http://schemas.microsoft.com/office/powerpoint/2010/main" xmlns="" val="2348297675"/>
       </p:ext>
     </p:extLst>
   </p:cSld>
@@ -11679,10 +11889,40 @@
           </a:p>
         </p:txBody>
       </p:sp>
+      <p:sp>
+        <p:nvSpPr>
+          <p:cNvPr id="4" name="Номер слайда 5"/>
+          <p:cNvSpPr>
+            <a:spLocks noGrp="1"/>
+          </p:cNvSpPr>
+          <p:nvPr>
+            <p:ph type="sldNum" sz="quarter" idx="12"/>
+          </p:nvPr>
+        </p:nvSpPr>
+        <p:spPr>
+          <a:xfrm>
+            <a:off x="10776031" y="6190938"/>
+            <a:ext cx="594673" cy="479419"/>
+          </a:xfrm>
+        </p:spPr>
+        <p:txBody>
+          <a:bodyPr/>
+          <a:lstStyle/>
+          <a:p>
+            <a:pPr algn="ctr"/>
+            <a:fld id="{1397BFD8-F312-4EF2-A268-44FB4BDDBBB0}" type="slidenum">
+              <a:rPr lang="ru-RU" smtClean="0"/>
+              <a:pPr algn="ctr"/>
+              <a:t>17</a:t>
+            </a:fld>
+            <a:endParaRPr lang="ru-RU" dirty="0"/>
+          </a:p>
+        </p:txBody>
+      </p:sp>
     </p:spTree>
     <p:extLst>
       <p:ext uri="{BB962C8B-B14F-4D97-AF65-F5344CB8AC3E}">
-        <p14:creationId xmlns:p14="http://schemas.microsoft.com/office/powerpoint/2010/main" val="1579493607"/>
+        <p14:creationId xmlns:p14="http://schemas.microsoft.com/office/powerpoint/2010/main" xmlns="" val="1579493607"/>
       </p:ext>
     </p:extLst>
   </p:cSld>
@@ -11971,10 +12211,40 @@
           </a:p>
         </p:txBody>
       </p:sp>
+      <p:sp>
+        <p:nvSpPr>
+          <p:cNvPr id="5" name="Номер слайда 5"/>
+          <p:cNvSpPr>
+            <a:spLocks noGrp="1"/>
+          </p:cNvSpPr>
+          <p:nvPr>
+            <p:ph type="sldNum" sz="quarter" idx="12"/>
+          </p:nvPr>
+        </p:nvSpPr>
+        <p:spPr>
+          <a:xfrm>
+            <a:off x="10776031" y="6190938"/>
+            <a:ext cx="594673" cy="479419"/>
+          </a:xfrm>
+        </p:spPr>
+        <p:txBody>
+          <a:bodyPr/>
+          <a:lstStyle/>
+          <a:p>
+            <a:pPr algn="ctr"/>
+            <a:fld id="{1397BFD8-F312-4EF2-A268-44FB4BDDBBB0}" type="slidenum">
+              <a:rPr lang="ru-RU" smtClean="0"/>
+              <a:pPr algn="ctr"/>
+              <a:t>18</a:t>
+            </a:fld>
+            <a:endParaRPr lang="ru-RU" dirty="0"/>
+          </a:p>
+        </p:txBody>
+      </p:sp>
     </p:spTree>
     <p:extLst>
       <p:ext uri="{BB962C8B-B14F-4D97-AF65-F5344CB8AC3E}">
-        <p14:creationId xmlns:p14="http://schemas.microsoft.com/office/powerpoint/2010/main" val="2225442272"/>
+        <p14:creationId xmlns:p14="http://schemas.microsoft.com/office/powerpoint/2010/main" xmlns="" val="2225442272"/>
       </p:ext>
     </p:extLst>
   </p:cSld>
@@ -12222,10 +12492,40 @@
           </a:p>
         </p:txBody>
       </p:sp>
+      <p:sp>
+        <p:nvSpPr>
+          <p:cNvPr id="4" name="Номер слайда 5"/>
+          <p:cNvSpPr>
+            <a:spLocks noGrp="1"/>
+          </p:cNvSpPr>
+          <p:nvPr>
+            <p:ph type="sldNum" sz="quarter" idx="12"/>
+          </p:nvPr>
+        </p:nvSpPr>
+        <p:spPr>
+          <a:xfrm>
+            <a:off x="10776031" y="6190938"/>
+            <a:ext cx="594673" cy="479419"/>
+          </a:xfrm>
+        </p:spPr>
+        <p:txBody>
+          <a:bodyPr/>
+          <a:lstStyle/>
+          <a:p>
+            <a:pPr algn="ctr"/>
+            <a:fld id="{1397BFD8-F312-4EF2-A268-44FB4BDDBBB0}" type="slidenum">
+              <a:rPr lang="ru-RU" smtClean="0"/>
+              <a:pPr algn="ctr"/>
+              <a:t>19</a:t>
+            </a:fld>
+            <a:endParaRPr lang="ru-RU" dirty="0"/>
+          </a:p>
+        </p:txBody>
+      </p:sp>
     </p:spTree>
     <p:extLst>
       <p:ext uri="{BB962C8B-B14F-4D97-AF65-F5344CB8AC3E}">
-        <p14:creationId xmlns:p14="http://schemas.microsoft.com/office/powerpoint/2010/main" val="2364247526"/>
+        <p14:creationId xmlns:p14="http://schemas.microsoft.com/office/powerpoint/2010/main" xmlns="" val="2364247526"/>
       </p:ext>
     </p:extLst>
   </p:cSld>
@@ -12993,10 +13293,40 @@
           </a:p>
         </p:txBody>
       </p:sp>
+      <p:sp>
+        <p:nvSpPr>
+          <p:cNvPr id="18" name="Номер слайда 5"/>
+          <p:cNvSpPr>
+            <a:spLocks noGrp="1"/>
+          </p:cNvSpPr>
+          <p:nvPr>
+            <p:ph type="sldNum" sz="quarter" idx="12"/>
+          </p:nvPr>
+        </p:nvSpPr>
+        <p:spPr>
+          <a:xfrm>
+            <a:off x="10776031" y="6190938"/>
+            <a:ext cx="594673" cy="479419"/>
+          </a:xfrm>
+        </p:spPr>
+        <p:txBody>
+          <a:bodyPr/>
+          <a:lstStyle/>
+          <a:p>
+            <a:pPr algn="ctr"/>
+            <a:fld id="{1397BFD8-F312-4EF2-A268-44FB4BDDBBB0}" type="slidenum">
+              <a:rPr lang="ru-RU" smtClean="0"/>
+              <a:pPr algn="ctr"/>
+              <a:t>2</a:t>
+            </a:fld>
+            <a:endParaRPr lang="ru-RU" dirty="0"/>
+          </a:p>
+        </p:txBody>
+      </p:sp>
     </p:spTree>
     <p:extLst>
       <p:ext uri="{BB962C8B-B14F-4D97-AF65-F5344CB8AC3E}">
-        <p14:creationId xmlns:p14="http://schemas.microsoft.com/office/powerpoint/2010/main" val="901739413"/>
+        <p14:creationId xmlns:p14="http://schemas.microsoft.com/office/powerpoint/2010/main" xmlns="" val="901739413"/>
       </p:ext>
     </p:extLst>
   </p:cSld>
@@ -14715,10 +15045,40 @@
           </a:p>
         </p:txBody>
       </p:sp>
+      <p:sp>
+        <p:nvSpPr>
+          <p:cNvPr id="37" name="Номер слайда 5"/>
+          <p:cNvSpPr>
+            <a:spLocks noGrp="1"/>
+          </p:cNvSpPr>
+          <p:nvPr>
+            <p:ph type="sldNum" sz="quarter" idx="12"/>
+          </p:nvPr>
+        </p:nvSpPr>
+        <p:spPr>
+          <a:xfrm>
+            <a:off x="10776031" y="6190938"/>
+            <a:ext cx="594673" cy="479419"/>
+          </a:xfrm>
+        </p:spPr>
+        <p:txBody>
+          <a:bodyPr/>
+          <a:lstStyle/>
+          <a:p>
+            <a:pPr algn="ctr"/>
+            <a:fld id="{1397BFD8-F312-4EF2-A268-44FB4BDDBBB0}" type="slidenum">
+              <a:rPr lang="ru-RU" smtClean="0"/>
+              <a:pPr algn="ctr"/>
+              <a:t>20</a:t>
+            </a:fld>
+            <a:endParaRPr lang="ru-RU" dirty="0"/>
+          </a:p>
+        </p:txBody>
+      </p:sp>
     </p:spTree>
     <p:extLst>
       <p:ext uri="{BB962C8B-B14F-4D97-AF65-F5344CB8AC3E}">
-        <p14:creationId xmlns:p14="http://schemas.microsoft.com/office/powerpoint/2010/main" val="3838203422"/>
+        <p14:creationId xmlns:p14="http://schemas.microsoft.com/office/powerpoint/2010/main" xmlns="" val="3838203422"/>
       </p:ext>
     </p:extLst>
   </p:cSld>
@@ -14914,10 +15274,40 @@
           </a:p>
         </p:txBody>
       </p:sp>
+      <p:sp>
+        <p:nvSpPr>
+          <p:cNvPr id="4" name="Номер слайда 5"/>
+          <p:cNvSpPr>
+            <a:spLocks noGrp="1"/>
+          </p:cNvSpPr>
+          <p:nvPr>
+            <p:ph type="sldNum" sz="quarter" idx="12"/>
+          </p:nvPr>
+        </p:nvSpPr>
+        <p:spPr>
+          <a:xfrm>
+            <a:off x="10776031" y="6190938"/>
+            <a:ext cx="594673" cy="479419"/>
+          </a:xfrm>
+        </p:spPr>
+        <p:txBody>
+          <a:bodyPr/>
+          <a:lstStyle/>
+          <a:p>
+            <a:pPr algn="ctr"/>
+            <a:fld id="{1397BFD8-F312-4EF2-A268-44FB4BDDBBB0}" type="slidenum">
+              <a:rPr lang="ru-RU" smtClean="0"/>
+              <a:pPr algn="ctr"/>
+              <a:t>21</a:t>
+            </a:fld>
+            <a:endParaRPr lang="ru-RU" dirty="0"/>
+          </a:p>
+        </p:txBody>
+      </p:sp>
     </p:spTree>
     <p:extLst>
       <p:ext uri="{BB962C8B-B14F-4D97-AF65-F5344CB8AC3E}">
-        <p14:creationId xmlns:p14="http://schemas.microsoft.com/office/powerpoint/2010/main" val="2999470332"/>
+        <p14:creationId xmlns:p14="http://schemas.microsoft.com/office/powerpoint/2010/main" xmlns="" val="2999470332"/>
       </p:ext>
     </p:extLst>
   </p:cSld>
@@ -15362,10 +15752,40 @@
           </a:p>
         </p:txBody>
       </p:sp>
+      <p:sp>
+        <p:nvSpPr>
+          <p:cNvPr id="6" name="Номер слайда 5"/>
+          <p:cNvSpPr>
+            <a:spLocks noGrp="1"/>
+          </p:cNvSpPr>
+          <p:nvPr>
+            <p:ph type="sldNum" sz="quarter" idx="12"/>
+          </p:nvPr>
+        </p:nvSpPr>
+        <p:spPr>
+          <a:xfrm>
+            <a:off x="10776031" y="6190938"/>
+            <a:ext cx="594673" cy="479419"/>
+          </a:xfrm>
+        </p:spPr>
+        <p:txBody>
+          <a:bodyPr/>
+          <a:lstStyle/>
+          <a:p>
+            <a:pPr algn="ctr"/>
+            <a:fld id="{1397BFD8-F312-4EF2-A268-44FB4BDDBBB0}" type="slidenum">
+              <a:rPr lang="ru-RU" smtClean="0"/>
+              <a:pPr algn="ctr"/>
+              <a:t>22</a:t>
+            </a:fld>
+            <a:endParaRPr lang="ru-RU" dirty="0"/>
+          </a:p>
+        </p:txBody>
+      </p:sp>
     </p:spTree>
     <p:extLst>
       <p:ext uri="{BB962C8B-B14F-4D97-AF65-F5344CB8AC3E}">
-        <p14:creationId xmlns:p14="http://schemas.microsoft.com/office/powerpoint/2010/main" val="1614571635"/>
+        <p14:creationId xmlns:p14="http://schemas.microsoft.com/office/powerpoint/2010/main" xmlns="" val="1614571635"/>
       </p:ext>
     </p:extLst>
   </p:cSld>
@@ -15808,10 +16228,40 @@
           </a:p>
         </p:txBody>
       </p:sp>
+      <p:sp>
+        <p:nvSpPr>
+          <p:cNvPr id="6" name="Номер слайда 5"/>
+          <p:cNvSpPr>
+            <a:spLocks noGrp="1"/>
+          </p:cNvSpPr>
+          <p:nvPr>
+            <p:ph type="sldNum" sz="quarter" idx="12"/>
+          </p:nvPr>
+        </p:nvSpPr>
+        <p:spPr>
+          <a:xfrm>
+            <a:off x="10776031" y="6190938"/>
+            <a:ext cx="594673" cy="479419"/>
+          </a:xfrm>
+        </p:spPr>
+        <p:txBody>
+          <a:bodyPr/>
+          <a:lstStyle/>
+          <a:p>
+            <a:pPr algn="ctr"/>
+            <a:fld id="{1397BFD8-F312-4EF2-A268-44FB4BDDBBB0}" type="slidenum">
+              <a:rPr lang="ru-RU" smtClean="0"/>
+              <a:pPr algn="ctr"/>
+              <a:t>23</a:t>
+            </a:fld>
+            <a:endParaRPr lang="ru-RU" dirty="0"/>
+          </a:p>
+        </p:txBody>
+      </p:sp>
     </p:spTree>
     <p:extLst>
       <p:ext uri="{BB962C8B-B14F-4D97-AF65-F5344CB8AC3E}">
-        <p14:creationId xmlns:p14="http://schemas.microsoft.com/office/powerpoint/2010/main" val="14447866"/>
+        <p14:creationId xmlns:p14="http://schemas.microsoft.com/office/powerpoint/2010/main" xmlns="" val="14447866"/>
       </p:ext>
     </p:extLst>
   </p:cSld>
@@ -16323,10 +16773,40 @@
           </a:p>
         </p:txBody>
       </p:sp>
+      <p:sp>
+        <p:nvSpPr>
+          <p:cNvPr id="7" name="Номер слайда 5"/>
+          <p:cNvSpPr>
+            <a:spLocks noGrp="1"/>
+          </p:cNvSpPr>
+          <p:nvPr>
+            <p:ph type="sldNum" sz="quarter" idx="12"/>
+          </p:nvPr>
+        </p:nvSpPr>
+        <p:spPr>
+          <a:xfrm>
+            <a:off x="10776031" y="6190938"/>
+            <a:ext cx="594673" cy="479419"/>
+          </a:xfrm>
+        </p:spPr>
+        <p:txBody>
+          <a:bodyPr/>
+          <a:lstStyle/>
+          <a:p>
+            <a:pPr algn="ctr"/>
+            <a:fld id="{1397BFD8-F312-4EF2-A268-44FB4BDDBBB0}" type="slidenum">
+              <a:rPr lang="ru-RU" smtClean="0"/>
+              <a:pPr algn="ctr"/>
+              <a:t>24</a:t>
+            </a:fld>
+            <a:endParaRPr lang="ru-RU" dirty="0"/>
+          </a:p>
+        </p:txBody>
+      </p:sp>
     </p:spTree>
     <p:extLst>
       <p:ext uri="{BB962C8B-B14F-4D97-AF65-F5344CB8AC3E}">
-        <p14:creationId xmlns:p14="http://schemas.microsoft.com/office/powerpoint/2010/main" val="2606146155"/>
+        <p14:creationId xmlns:p14="http://schemas.microsoft.com/office/powerpoint/2010/main" xmlns="" val="2606146155"/>
       </p:ext>
     </p:extLst>
   </p:cSld>
@@ -16707,10 +17187,40 @@
           </a:p>
         </p:txBody>
       </p:sp>
+      <p:sp>
+        <p:nvSpPr>
+          <p:cNvPr id="4" name="Номер слайда 5"/>
+          <p:cNvSpPr>
+            <a:spLocks noGrp="1"/>
+          </p:cNvSpPr>
+          <p:nvPr>
+            <p:ph type="sldNum" sz="quarter" idx="12"/>
+          </p:nvPr>
+        </p:nvSpPr>
+        <p:spPr>
+          <a:xfrm>
+            <a:off x="10776031" y="6190938"/>
+            <a:ext cx="594673" cy="479419"/>
+          </a:xfrm>
+        </p:spPr>
+        <p:txBody>
+          <a:bodyPr/>
+          <a:lstStyle/>
+          <a:p>
+            <a:pPr algn="ctr"/>
+            <a:fld id="{1397BFD8-F312-4EF2-A268-44FB4BDDBBB0}" type="slidenum">
+              <a:rPr lang="ru-RU" smtClean="0"/>
+              <a:pPr algn="ctr"/>
+              <a:t>25</a:t>
+            </a:fld>
+            <a:endParaRPr lang="ru-RU" dirty="0"/>
+          </a:p>
+        </p:txBody>
+      </p:sp>
     </p:spTree>
     <p:extLst>
       <p:ext uri="{BB962C8B-B14F-4D97-AF65-F5344CB8AC3E}">
-        <p14:creationId xmlns:p14="http://schemas.microsoft.com/office/powerpoint/2010/main" val="1985796807"/>
+        <p14:creationId xmlns:p14="http://schemas.microsoft.com/office/powerpoint/2010/main" xmlns="" val="1985796807"/>
       </p:ext>
     </p:extLst>
   </p:cSld>
@@ -16906,10 +17416,40 @@
           </a:p>
         </p:txBody>
       </p:sp>
+      <p:sp>
+        <p:nvSpPr>
+          <p:cNvPr id="4" name="Номер слайда 5"/>
+          <p:cNvSpPr>
+            <a:spLocks noGrp="1"/>
+          </p:cNvSpPr>
+          <p:nvPr>
+            <p:ph type="sldNum" sz="quarter" idx="12"/>
+          </p:nvPr>
+        </p:nvSpPr>
+        <p:spPr>
+          <a:xfrm>
+            <a:off x="10776031" y="6190938"/>
+            <a:ext cx="594673" cy="479419"/>
+          </a:xfrm>
+        </p:spPr>
+        <p:txBody>
+          <a:bodyPr/>
+          <a:lstStyle/>
+          <a:p>
+            <a:pPr algn="ctr"/>
+            <a:fld id="{1397BFD8-F312-4EF2-A268-44FB4BDDBBB0}" type="slidenum">
+              <a:rPr lang="ru-RU" smtClean="0"/>
+              <a:pPr algn="ctr"/>
+              <a:t>26</a:t>
+            </a:fld>
+            <a:endParaRPr lang="ru-RU" dirty="0"/>
+          </a:p>
+        </p:txBody>
+      </p:sp>
     </p:spTree>
     <p:extLst>
       <p:ext uri="{BB962C8B-B14F-4D97-AF65-F5344CB8AC3E}">
-        <p14:creationId xmlns:p14="http://schemas.microsoft.com/office/powerpoint/2010/main" val="2300016515"/>
+        <p14:creationId xmlns:p14="http://schemas.microsoft.com/office/powerpoint/2010/main" xmlns="" val="2300016515"/>
       </p:ext>
     </p:extLst>
   </p:cSld>
@@ -17905,10 +18445,40 @@
           </a:p>
         </p:txBody>
       </p:sp>
+      <p:sp>
+        <p:nvSpPr>
+          <p:cNvPr id="35" name="Номер слайда 5"/>
+          <p:cNvSpPr>
+            <a:spLocks noGrp="1"/>
+          </p:cNvSpPr>
+          <p:nvPr>
+            <p:ph type="sldNum" sz="quarter" idx="12"/>
+          </p:nvPr>
+        </p:nvSpPr>
+        <p:spPr>
+          <a:xfrm>
+            <a:off x="10776031" y="6190938"/>
+            <a:ext cx="594673" cy="479419"/>
+          </a:xfrm>
+        </p:spPr>
+        <p:txBody>
+          <a:bodyPr/>
+          <a:lstStyle/>
+          <a:p>
+            <a:pPr algn="ctr"/>
+            <a:fld id="{1397BFD8-F312-4EF2-A268-44FB4BDDBBB0}" type="slidenum">
+              <a:rPr lang="ru-RU" smtClean="0"/>
+              <a:pPr algn="ctr"/>
+              <a:t>27</a:t>
+            </a:fld>
+            <a:endParaRPr lang="ru-RU" dirty="0"/>
+          </a:p>
+        </p:txBody>
+      </p:sp>
     </p:spTree>
     <p:extLst>
       <p:ext uri="{BB962C8B-B14F-4D97-AF65-F5344CB8AC3E}">
-        <p14:creationId xmlns:p14="http://schemas.microsoft.com/office/powerpoint/2010/main" val="1795897473"/>
+        <p14:creationId xmlns:p14="http://schemas.microsoft.com/office/powerpoint/2010/main" xmlns="" val="1795897473"/>
       </p:ext>
     </p:extLst>
   </p:cSld>
@@ -18858,10 +19428,40 @@
           </a:p>
         </p:txBody>
       </p:sp>
+      <p:sp>
+        <p:nvSpPr>
+          <p:cNvPr id="23" name="Номер слайда 5"/>
+          <p:cNvSpPr>
+            <a:spLocks noGrp="1"/>
+          </p:cNvSpPr>
+          <p:nvPr>
+            <p:ph type="sldNum" sz="quarter" idx="12"/>
+          </p:nvPr>
+        </p:nvSpPr>
+        <p:spPr>
+          <a:xfrm>
+            <a:off x="10776031" y="6190938"/>
+            <a:ext cx="594673" cy="479419"/>
+          </a:xfrm>
+        </p:spPr>
+        <p:txBody>
+          <a:bodyPr/>
+          <a:lstStyle/>
+          <a:p>
+            <a:pPr algn="ctr"/>
+            <a:fld id="{1397BFD8-F312-4EF2-A268-44FB4BDDBBB0}" type="slidenum">
+              <a:rPr lang="ru-RU" smtClean="0"/>
+              <a:pPr algn="ctr"/>
+              <a:t>28</a:t>
+            </a:fld>
+            <a:endParaRPr lang="ru-RU" dirty="0"/>
+          </a:p>
+        </p:txBody>
+      </p:sp>
     </p:spTree>
     <p:extLst>
       <p:ext uri="{BB962C8B-B14F-4D97-AF65-F5344CB8AC3E}">
-        <p14:creationId xmlns:p14="http://schemas.microsoft.com/office/powerpoint/2010/main" val="2467834174"/>
+        <p14:creationId xmlns:p14="http://schemas.microsoft.com/office/powerpoint/2010/main" xmlns="" val="2467834174"/>
       </p:ext>
     </p:extLst>
   </p:cSld>
@@ -19375,10 +19975,40 @@
           </a:p>
         </p:txBody>
       </p:sp>
+      <p:sp>
+        <p:nvSpPr>
+          <p:cNvPr id="4" name="Номер слайда 5"/>
+          <p:cNvSpPr>
+            <a:spLocks noGrp="1"/>
+          </p:cNvSpPr>
+          <p:nvPr>
+            <p:ph type="sldNum" sz="quarter" idx="12"/>
+          </p:nvPr>
+        </p:nvSpPr>
+        <p:spPr>
+          <a:xfrm>
+            <a:off x="10776031" y="6190938"/>
+            <a:ext cx="594673" cy="479419"/>
+          </a:xfrm>
+        </p:spPr>
+        <p:txBody>
+          <a:bodyPr/>
+          <a:lstStyle/>
+          <a:p>
+            <a:pPr algn="ctr"/>
+            <a:fld id="{1397BFD8-F312-4EF2-A268-44FB4BDDBBB0}" type="slidenum">
+              <a:rPr lang="ru-RU" smtClean="0"/>
+              <a:pPr algn="ctr"/>
+              <a:t>29</a:t>
+            </a:fld>
+            <a:endParaRPr lang="ru-RU" dirty="0"/>
+          </a:p>
+        </p:txBody>
+      </p:sp>
     </p:spTree>
     <p:extLst>
       <p:ext uri="{BB962C8B-B14F-4D97-AF65-F5344CB8AC3E}">
-        <p14:creationId xmlns:p14="http://schemas.microsoft.com/office/powerpoint/2010/main" val="940297396"/>
+        <p14:creationId xmlns:p14="http://schemas.microsoft.com/office/powerpoint/2010/main" xmlns="" val="940297396"/>
       </p:ext>
     </p:extLst>
   </p:cSld>
@@ -21552,10 +22182,40 @@
           </a:p>
         </p:txBody>
       </p:sp>
+      <p:sp>
+        <p:nvSpPr>
+          <p:cNvPr id="52" name="Номер слайда 5"/>
+          <p:cNvSpPr>
+            <a:spLocks noGrp="1"/>
+          </p:cNvSpPr>
+          <p:nvPr>
+            <p:ph type="sldNum" sz="quarter" idx="12"/>
+          </p:nvPr>
+        </p:nvSpPr>
+        <p:spPr>
+          <a:xfrm>
+            <a:off x="10776031" y="6190938"/>
+            <a:ext cx="594673" cy="479419"/>
+          </a:xfrm>
+        </p:spPr>
+        <p:txBody>
+          <a:bodyPr/>
+          <a:lstStyle/>
+          <a:p>
+            <a:pPr algn="ctr"/>
+            <a:fld id="{1397BFD8-F312-4EF2-A268-44FB4BDDBBB0}" type="slidenum">
+              <a:rPr lang="ru-RU" smtClean="0"/>
+              <a:pPr algn="ctr"/>
+              <a:t>3</a:t>
+            </a:fld>
+            <a:endParaRPr lang="ru-RU" dirty="0"/>
+          </a:p>
+        </p:txBody>
+      </p:sp>
     </p:spTree>
     <p:extLst>
       <p:ext uri="{BB962C8B-B14F-4D97-AF65-F5344CB8AC3E}">
-        <p14:creationId xmlns:p14="http://schemas.microsoft.com/office/powerpoint/2010/main" val="2562367440"/>
+        <p14:creationId xmlns:p14="http://schemas.microsoft.com/office/powerpoint/2010/main" xmlns="" val="2562367440"/>
       </p:ext>
     </p:extLst>
   </p:cSld>
@@ -24456,10 +25116,40 @@
           </a:p>
         </p:txBody>
       </p:sp>
+      <p:sp>
+        <p:nvSpPr>
+          <p:cNvPr id="71" name="Номер слайда 5"/>
+          <p:cNvSpPr>
+            <a:spLocks noGrp="1"/>
+          </p:cNvSpPr>
+          <p:nvPr>
+            <p:ph type="sldNum" sz="quarter" idx="12"/>
+          </p:nvPr>
+        </p:nvSpPr>
+        <p:spPr>
+          <a:xfrm>
+            <a:off x="10776031" y="6190938"/>
+            <a:ext cx="594673" cy="479419"/>
+          </a:xfrm>
+        </p:spPr>
+        <p:txBody>
+          <a:bodyPr/>
+          <a:lstStyle/>
+          <a:p>
+            <a:pPr algn="ctr"/>
+            <a:fld id="{1397BFD8-F312-4EF2-A268-44FB4BDDBBB0}" type="slidenum">
+              <a:rPr lang="ru-RU" smtClean="0"/>
+              <a:pPr algn="ctr"/>
+              <a:t>30</a:t>
+            </a:fld>
+            <a:endParaRPr lang="ru-RU" dirty="0"/>
+          </a:p>
+        </p:txBody>
+      </p:sp>
     </p:spTree>
     <p:extLst>
       <p:ext uri="{BB962C8B-B14F-4D97-AF65-F5344CB8AC3E}">
-        <p14:creationId xmlns:p14="http://schemas.microsoft.com/office/powerpoint/2010/main" val="1778626000"/>
+        <p14:creationId xmlns:p14="http://schemas.microsoft.com/office/powerpoint/2010/main" xmlns="" val="1778626000"/>
       </p:ext>
     </p:extLst>
   </p:cSld>
@@ -26110,10 +26800,40 @@
           </a:p>
         </p:txBody>
       </p:sp>
+      <p:sp>
+        <p:nvSpPr>
+          <p:cNvPr id="38" name="Номер слайда 5"/>
+          <p:cNvSpPr>
+            <a:spLocks noGrp="1"/>
+          </p:cNvSpPr>
+          <p:nvPr>
+            <p:ph type="sldNum" sz="quarter" idx="12"/>
+          </p:nvPr>
+        </p:nvSpPr>
+        <p:spPr>
+          <a:xfrm>
+            <a:off x="10776031" y="6190938"/>
+            <a:ext cx="594673" cy="479419"/>
+          </a:xfrm>
+        </p:spPr>
+        <p:txBody>
+          <a:bodyPr/>
+          <a:lstStyle/>
+          <a:p>
+            <a:pPr algn="ctr"/>
+            <a:fld id="{1397BFD8-F312-4EF2-A268-44FB4BDDBBB0}" type="slidenum">
+              <a:rPr lang="ru-RU" smtClean="0"/>
+              <a:pPr algn="ctr"/>
+              <a:t>31</a:t>
+            </a:fld>
+            <a:endParaRPr lang="ru-RU" dirty="0"/>
+          </a:p>
+        </p:txBody>
+      </p:sp>
     </p:spTree>
     <p:extLst>
       <p:ext uri="{BB962C8B-B14F-4D97-AF65-F5344CB8AC3E}">
-        <p14:creationId xmlns:p14="http://schemas.microsoft.com/office/powerpoint/2010/main" val="1680757286"/>
+        <p14:creationId xmlns:p14="http://schemas.microsoft.com/office/powerpoint/2010/main" xmlns="" val="1680757286"/>
       </p:ext>
     </p:extLst>
   </p:cSld>
@@ -26639,7 +27359,7 @@
     </p:spTree>
     <p:extLst>
       <p:ext uri="{BB962C8B-B14F-4D97-AF65-F5344CB8AC3E}">
-        <p14:creationId xmlns:p14="http://schemas.microsoft.com/office/powerpoint/2010/main" val="3375874209"/>
+        <p14:creationId xmlns:p14="http://schemas.microsoft.com/office/powerpoint/2010/main" xmlns="" val="3375874209"/>
       </p:ext>
     </p:extLst>
   </p:cSld>
@@ -27022,10 +27742,40 @@
           </a:p>
         </p:txBody>
       </p:sp>
+      <p:sp>
+        <p:nvSpPr>
+          <p:cNvPr id="4" name="Номер слайда 5"/>
+          <p:cNvSpPr>
+            <a:spLocks noGrp="1"/>
+          </p:cNvSpPr>
+          <p:nvPr>
+            <p:ph type="sldNum" sz="quarter" idx="12"/>
+          </p:nvPr>
+        </p:nvSpPr>
+        <p:spPr>
+          <a:xfrm>
+            <a:off x="10776031" y="6190938"/>
+            <a:ext cx="594673" cy="479419"/>
+          </a:xfrm>
+        </p:spPr>
+        <p:txBody>
+          <a:bodyPr/>
+          <a:lstStyle/>
+          <a:p>
+            <a:pPr algn="ctr"/>
+            <a:fld id="{1397BFD8-F312-4EF2-A268-44FB4BDDBBB0}" type="slidenum">
+              <a:rPr lang="ru-RU" smtClean="0"/>
+              <a:pPr algn="ctr"/>
+              <a:t>4</a:t>
+            </a:fld>
+            <a:endParaRPr lang="ru-RU" dirty="0"/>
+          </a:p>
+        </p:txBody>
+      </p:sp>
     </p:spTree>
     <p:extLst>
       <p:ext uri="{BB962C8B-B14F-4D97-AF65-F5344CB8AC3E}">
-        <p14:creationId xmlns:p14="http://schemas.microsoft.com/office/powerpoint/2010/main" val="4154837167"/>
+        <p14:creationId xmlns:p14="http://schemas.microsoft.com/office/powerpoint/2010/main" xmlns="" val="4154837167"/>
       </p:ext>
     </p:extLst>
   </p:cSld>
@@ -27854,10 +28604,40 @@
           </a:p>
         </p:txBody>
       </p:sp>
+      <p:sp>
+        <p:nvSpPr>
+          <p:cNvPr id="20" name="Номер слайда 5"/>
+          <p:cNvSpPr>
+            <a:spLocks noGrp="1"/>
+          </p:cNvSpPr>
+          <p:nvPr>
+            <p:ph type="sldNum" sz="quarter" idx="12"/>
+          </p:nvPr>
+        </p:nvSpPr>
+        <p:spPr>
+          <a:xfrm>
+            <a:off x="10776031" y="6190938"/>
+            <a:ext cx="594673" cy="479419"/>
+          </a:xfrm>
+        </p:spPr>
+        <p:txBody>
+          <a:bodyPr/>
+          <a:lstStyle/>
+          <a:p>
+            <a:pPr algn="ctr"/>
+            <a:fld id="{1397BFD8-F312-4EF2-A268-44FB4BDDBBB0}" type="slidenum">
+              <a:rPr lang="ru-RU" smtClean="0"/>
+              <a:pPr algn="ctr"/>
+              <a:t>5</a:t>
+            </a:fld>
+            <a:endParaRPr lang="ru-RU" dirty="0"/>
+          </a:p>
+        </p:txBody>
+      </p:sp>
     </p:spTree>
     <p:extLst>
       <p:ext uri="{BB962C8B-B14F-4D97-AF65-F5344CB8AC3E}">
-        <p14:creationId xmlns:p14="http://schemas.microsoft.com/office/powerpoint/2010/main" val="3767081516"/>
+        <p14:creationId xmlns:p14="http://schemas.microsoft.com/office/powerpoint/2010/main" xmlns="" val="3767081516"/>
       </p:ext>
     </p:extLst>
   </p:cSld>
@@ -29884,10 +30664,40 @@
           </a:p>
         </p:txBody>
       </p:sp>
+      <p:sp>
+        <p:nvSpPr>
+          <p:cNvPr id="49" name="Номер слайда 5"/>
+          <p:cNvSpPr>
+            <a:spLocks noGrp="1"/>
+          </p:cNvSpPr>
+          <p:nvPr>
+            <p:ph type="sldNum" sz="quarter" idx="12"/>
+          </p:nvPr>
+        </p:nvSpPr>
+        <p:spPr>
+          <a:xfrm>
+            <a:off x="10776031" y="6190938"/>
+            <a:ext cx="594673" cy="479419"/>
+          </a:xfrm>
+        </p:spPr>
+        <p:txBody>
+          <a:bodyPr/>
+          <a:lstStyle/>
+          <a:p>
+            <a:pPr algn="ctr"/>
+            <a:fld id="{1397BFD8-F312-4EF2-A268-44FB4BDDBBB0}" type="slidenum">
+              <a:rPr lang="ru-RU" smtClean="0"/>
+              <a:pPr algn="ctr"/>
+              <a:t>6</a:t>
+            </a:fld>
+            <a:endParaRPr lang="ru-RU" dirty="0"/>
+          </a:p>
+        </p:txBody>
+      </p:sp>
     </p:spTree>
     <p:extLst>
       <p:ext uri="{BB962C8B-B14F-4D97-AF65-F5344CB8AC3E}">
-        <p14:creationId xmlns:p14="http://schemas.microsoft.com/office/powerpoint/2010/main" val="2558937989"/>
+        <p14:creationId xmlns:p14="http://schemas.microsoft.com/office/powerpoint/2010/main" xmlns="" val="2558937989"/>
       </p:ext>
     </p:extLst>
   </p:cSld>
@@ -30312,10 +31122,40 @@
           </a:p>
         </p:txBody>
       </p:sp>
+      <p:sp>
+        <p:nvSpPr>
+          <p:cNvPr id="12" name="Номер слайда 5"/>
+          <p:cNvSpPr>
+            <a:spLocks noGrp="1"/>
+          </p:cNvSpPr>
+          <p:nvPr>
+            <p:ph type="sldNum" sz="quarter" idx="12"/>
+          </p:nvPr>
+        </p:nvSpPr>
+        <p:spPr>
+          <a:xfrm>
+            <a:off x="10776031" y="6190938"/>
+            <a:ext cx="594673" cy="479419"/>
+          </a:xfrm>
+        </p:spPr>
+        <p:txBody>
+          <a:bodyPr/>
+          <a:lstStyle/>
+          <a:p>
+            <a:pPr algn="ctr"/>
+            <a:fld id="{1397BFD8-F312-4EF2-A268-44FB4BDDBBB0}" type="slidenum">
+              <a:rPr lang="ru-RU" smtClean="0"/>
+              <a:pPr algn="ctr"/>
+              <a:t>7</a:t>
+            </a:fld>
+            <a:endParaRPr lang="ru-RU" dirty="0"/>
+          </a:p>
+        </p:txBody>
+      </p:sp>
     </p:spTree>
     <p:extLst>
       <p:ext uri="{BB962C8B-B14F-4D97-AF65-F5344CB8AC3E}">
-        <p14:creationId xmlns:p14="http://schemas.microsoft.com/office/powerpoint/2010/main" val="1538170908"/>
+        <p14:creationId xmlns:p14="http://schemas.microsoft.com/office/powerpoint/2010/main" xmlns="" val="1538170908"/>
       </p:ext>
     </p:extLst>
   </p:cSld>
@@ -31669,10 +32509,40 @@
           </a:p>
         </p:txBody>
       </p:sp>
+      <p:sp>
+        <p:nvSpPr>
+          <p:cNvPr id="32" name="Номер слайда 5"/>
+          <p:cNvSpPr>
+            <a:spLocks noGrp="1"/>
+          </p:cNvSpPr>
+          <p:nvPr>
+            <p:ph type="sldNum" sz="quarter" idx="12"/>
+          </p:nvPr>
+        </p:nvSpPr>
+        <p:spPr>
+          <a:xfrm>
+            <a:off x="10776031" y="6190938"/>
+            <a:ext cx="594673" cy="479419"/>
+          </a:xfrm>
+        </p:spPr>
+        <p:txBody>
+          <a:bodyPr/>
+          <a:lstStyle/>
+          <a:p>
+            <a:pPr algn="ctr"/>
+            <a:fld id="{1397BFD8-F312-4EF2-A268-44FB4BDDBBB0}" type="slidenum">
+              <a:rPr lang="ru-RU" smtClean="0"/>
+              <a:pPr algn="ctr"/>
+              <a:t>8</a:t>
+            </a:fld>
+            <a:endParaRPr lang="ru-RU" dirty="0"/>
+          </a:p>
+        </p:txBody>
+      </p:sp>
     </p:spTree>
     <p:extLst>
       <p:ext uri="{BB962C8B-B14F-4D97-AF65-F5344CB8AC3E}">
-        <p14:creationId xmlns:p14="http://schemas.microsoft.com/office/powerpoint/2010/main" val="2174632241"/>
+        <p14:creationId xmlns:p14="http://schemas.microsoft.com/office/powerpoint/2010/main" xmlns="" val="2174632241"/>
       </p:ext>
     </p:extLst>
   </p:cSld>
@@ -33056,10 +33926,40 @@
           </a:p>
         </p:txBody>
       </p:sp>
+      <p:sp>
+        <p:nvSpPr>
+          <p:cNvPr id="42" name="Номер слайда 5"/>
+          <p:cNvSpPr>
+            <a:spLocks noGrp="1"/>
+          </p:cNvSpPr>
+          <p:nvPr>
+            <p:ph type="sldNum" sz="quarter" idx="12"/>
+          </p:nvPr>
+        </p:nvSpPr>
+        <p:spPr>
+          <a:xfrm>
+            <a:off x="10776031" y="6190938"/>
+            <a:ext cx="594673" cy="479419"/>
+          </a:xfrm>
+        </p:spPr>
+        <p:txBody>
+          <a:bodyPr/>
+          <a:lstStyle/>
+          <a:p>
+            <a:pPr algn="ctr"/>
+            <a:fld id="{1397BFD8-F312-4EF2-A268-44FB4BDDBBB0}" type="slidenum">
+              <a:rPr lang="ru-RU" smtClean="0"/>
+              <a:pPr algn="ctr"/>
+              <a:t>9</a:t>
+            </a:fld>
+            <a:endParaRPr lang="ru-RU" dirty="0"/>
+          </a:p>
+        </p:txBody>
+      </p:sp>
     </p:spTree>
     <p:extLst>
       <p:ext uri="{BB962C8B-B14F-4D97-AF65-F5344CB8AC3E}">
-        <p14:creationId xmlns:p14="http://schemas.microsoft.com/office/powerpoint/2010/main" val="3228699828"/>
+        <p14:creationId xmlns:p14="http://schemas.microsoft.com/office/powerpoint/2010/main" xmlns="" val="3228699828"/>
       </p:ext>
     </p:extLst>
   </p:cSld>
@@ -33352,7 +34252,7 @@
   <a:extraClrSchemeLst/>
   <a:extLst>
     <a:ext uri="{05A4C25C-085E-4340-85A3-A5531E510DB2}">
-      <thm15:themeFamily xmlns:thm15="http://schemas.microsoft.com/office/thememl/2012/main" name="Office Theme" id="{62F939B6-93AF-4DB8-9C6B-D6C7DFDC589F}" vid="{4A3C46E8-61CC-4603-A589-7422A47A8E4A}"/>
+      <thm15:themeFamily xmlns:thm15="http://schemas.microsoft.com/office/thememl/2012/main" xmlns="" name="Office Theme" id="{62F939B6-93AF-4DB8-9C6B-D6C7DFDC589F}" vid="{4A3C46E8-61CC-4603-A589-7422A47A8E4A}"/>
     </a:ext>
   </a:extLst>
 </a:theme>
@@ -33613,7 +34513,7 @@
   <a:extraClrSchemeLst/>
   <a:extLst>
     <a:ext uri="{05A4C25C-085E-4340-85A3-A5531E510DB2}">
-      <thm15:themeFamily xmlns:thm15="http://schemas.microsoft.com/office/thememl/2012/main" name="Office Theme" id="{62F939B6-93AF-4DB8-9C6B-D6C7DFDC589F}" vid="{4A3C46E8-61CC-4603-A589-7422A47A8E4A}"/>
+      <thm15:themeFamily xmlns:thm15="http://schemas.microsoft.com/office/thememl/2012/main" xmlns="" name="Office Theme" id="{62F939B6-93AF-4DB8-9C6B-D6C7DFDC589F}" vid="{4A3C46E8-61CC-4603-A589-7422A47A8E4A}"/>
     </a:ext>
   </a:extLst>
 </a:theme>
@@ -33874,7 +34774,7 @@
   <a:extraClrSchemeLst/>
   <a:extLst>
     <a:ext uri="{05A4C25C-085E-4340-85A3-A5531E510DB2}">
-      <thm15:themeFamily xmlns:thm15="http://schemas.microsoft.com/office/thememl/2012/main" name="Office Theme" id="{62F939B6-93AF-4DB8-9C6B-D6C7DFDC589F}" vid="{4A3C46E8-61CC-4603-A589-7422A47A8E4A}"/>
+      <thm15:themeFamily xmlns:thm15="http://schemas.microsoft.com/office/thememl/2012/main" xmlns="" name="Office Theme" id="{62F939B6-93AF-4DB8-9C6B-D6C7DFDC589F}" vid="{4A3C46E8-61CC-4603-A589-7422A47A8E4A}"/>
     </a:ext>
   </a:extLst>
 </a:theme>
